--- a/assets/svgs.pptx
+++ b/assets/svgs.pptx
@@ -6,7 +6,8 @@
   </p:sldMasterIdLst>
   <p:sldIdLst>
     <p:sldId id="257" r:id="rId2"/>
-    <p:sldId id="256" r:id="rId3"/>
+    <p:sldId id="258" r:id="rId3"/>
+    <p:sldId id="256" r:id="rId4"/>
   </p:sldIdLst>
   <p:sldSz cx="8640763" cy="8640763"/>
   <p:notesSz cx="6858000" cy="9144000"/>
@@ -105,6 +106,11 @@
       </a:defRPr>
     </a:lvl9pPr>
   </p:defaultTextStyle>
+  <p:extLst>
+    <p:ext uri="{EFAFB233-063F-42B5-8137-9DF3F51BA10A}">
+      <p15:sldGuideLst xmlns:p15="http://schemas.microsoft.com/office/powerpoint/2012/main"/>
+    </p:ext>
+  </p:extLst>
 </p:presentation>
 </file>
 
@@ -615,10 +621,10 @@
       </p:grpSpPr>
       <p:sp>
         <p:nvSpPr>
-          <p:cNvPr id="2" name="ひし形 1">
+          <p:cNvPr id="8" name="フリーフォーム: 図形 7">
             <a:extLst>
               <a:ext uri="{FF2B5EF4-FFF2-40B4-BE49-F238E27FC236}">
-                <a16:creationId xmlns:a16="http://schemas.microsoft.com/office/drawing/2014/main" id="{422C2E0D-8695-057E-FCA8-E43B0F9E6301}"/>
+                <a16:creationId xmlns:a16="http://schemas.microsoft.com/office/drawing/2014/main" id="{55FA4C61-FC87-26CB-EFB9-0ADD0BBCF3F8}"/>
               </a:ext>
             </a:extLst>
           </p:cNvPr>
@@ -630,15 +636,130 @@
             <a:off x="1440381" y="1440381"/>
             <a:ext cx="5760000" cy="5760000"/>
           </a:xfrm>
-          <a:prstGeom prst="diamond">
+          <a:custGeom>
             <a:avLst/>
-          </a:prstGeom>
+            <a:gdLst>
+              <a:gd name="connsiteX0" fmla="*/ 2880000 w 5760000"/>
+              <a:gd name="connsiteY0" fmla="*/ 0 h 5760000"/>
+              <a:gd name="connsiteX1" fmla="*/ 5760000 w 5760000"/>
+              <a:gd name="connsiteY1" fmla="*/ 2880000 h 5760000"/>
+              <a:gd name="connsiteX2" fmla="*/ 4320000 w 5760000"/>
+              <a:gd name="connsiteY2" fmla="*/ 4320000 h 5760000"/>
+              <a:gd name="connsiteX3" fmla="*/ 4320000 w 5760000"/>
+              <a:gd name="connsiteY3" fmla="*/ 3600000 h 5760000"/>
+              <a:gd name="connsiteX4" fmla="*/ 2160000 w 5760000"/>
+              <a:gd name="connsiteY4" fmla="*/ 3600000 h 5760000"/>
+              <a:gd name="connsiteX5" fmla="*/ 2160000 w 5760000"/>
+              <a:gd name="connsiteY5" fmla="*/ 2160000 h 5760000"/>
+              <a:gd name="connsiteX6" fmla="*/ 4320000 w 5760000"/>
+              <a:gd name="connsiteY6" fmla="*/ 2160000 h 5760000"/>
+              <a:gd name="connsiteX7" fmla="*/ 4320000 w 5760000"/>
+              <a:gd name="connsiteY7" fmla="*/ 1440000 h 5760000"/>
+              <a:gd name="connsiteX8" fmla="*/ 1440000 w 5760000"/>
+              <a:gd name="connsiteY8" fmla="*/ 1440000 h 5760000"/>
+              <a:gd name="connsiteX9" fmla="*/ 1440000 w 5760000"/>
+              <a:gd name="connsiteY9" fmla="*/ 4320000 h 5760000"/>
+              <a:gd name="connsiteX10" fmla="*/ 4320000 w 5760000"/>
+              <a:gd name="connsiteY10" fmla="*/ 4320000 h 5760000"/>
+              <a:gd name="connsiteX11" fmla="*/ 2880000 w 5760000"/>
+              <a:gd name="connsiteY11" fmla="*/ 5760000 h 5760000"/>
+              <a:gd name="connsiteX12" fmla="*/ 0 w 5760000"/>
+              <a:gd name="connsiteY12" fmla="*/ 2880000 h 5760000"/>
+            </a:gdLst>
+            <a:ahLst/>
+            <a:cxnLst>
+              <a:cxn ang="0">
+                <a:pos x="connsiteX0" y="connsiteY0"/>
+              </a:cxn>
+              <a:cxn ang="0">
+                <a:pos x="connsiteX1" y="connsiteY1"/>
+              </a:cxn>
+              <a:cxn ang="0">
+                <a:pos x="connsiteX2" y="connsiteY2"/>
+              </a:cxn>
+              <a:cxn ang="0">
+                <a:pos x="connsiteX3" y="connsiteY3"/>
+              </a:cxn>
+              <a:cxn ang="0">
+                <a:pos x="connsiteX4" y="connsiteY4"/>
+              </a:cxn>
+              <a:cxn ang="0">
+                <a:pos x="connsiteX5" y="connsiteY5"/>
+              </a:cxn>
+              <a:cxn ang="0">
+                <a:pos x="connsiteX6" y="connsiteY6"/>
+              </a:cxn>
+              <a:cxn ang="0">
+                <a:pos x="connsiteX7" y="connsiteY7"/>
+              </a:cxn>
+              <a:cxn ang="0">
+                <a:pos x="connsiteX8" y="connsiteY8"/>
+              </a:cxn>
+              <a:cxn ang="0">
+                <a:pos x="connsiteX9" y="connsiteY9"/>
+              </a:cxn>
+              <a:cxn ang="0">
+                <a:pos x="connsiteX10" y="connsiteY10"/>
+              </a:cxn>
+              <a:cxn ang="0">
+                <a:pos x="connsiteX11" y="connsiteY11"/>
+              </a:cxn>
+              <a:cxn ang="0">
+                <a:pos x="connsiteX12" y="connsiteY12"/>
+              </a:cxn>
+            </a:cxnLst>
+            <a:rect l="l" t="t" r="r" b="b"/>
+            <a:pathLst>
+              <a:path w="5760000" h="5760000">
+                <a:moveTo>
+                  <a:pt x="2880000" y="0"/>
+                </a:moveTo>
+                <a:lnTo>
+                  <a:pt x="5760000" y="2880000"/>
+                </a:lnTo>
+                <a:lnTo>
+                  <a:pt x="4320000" y="4320000"/>
+                </a:lnTo>
+                <a:lnTo>
+                  <a:pt x="4320000" y="3600000"/>
+                </a:lnTo>
+                <a:lnTo>
+                  <a:pt x="2160000" y="3600000"/>
+                </a:lnTo>
+                <a:lnTo>
+                  <a:pt x="2160000" y="2160000"/>
+                </a:lnTo>
+                <a:lnTo>
+                  <a:pt x="4320000" y="2160000"/>
+                </a:lnTo>
+                <a:lnTo>
+                  <a:pt x="4320000" y="1440000"/>
+                </a:lnTo>
+                <a:lnTo>
+                  <a:pt x="1440000" y="1440000"/>
+                </a:lnTo>
+                <a:lnTo>
+                  <a:pt x="1440000" y="4320000"/>
+                </a:lnTo>
+                <a:lnTo>
+                  <a:pt x="4320000" y="4320000"/>
+                </a:lnTo>
+                <a:lnTo>
+                  <a:pt x="2880000" y="5760000"/>
+                </a:lnTo>
+                <a:lnTo>
+                  <a:pt x="0" y="2880000"/>
+                </a:lnTo>
+                <a:close/>
+              </a:path>
+            </a:pathLst>
+          </a:custGeom>
           <a:gradFill flip="none" rotWithShape="1">
             <a:gsLst>
               <a:gs pos="70000">
                 <a:srgbClr val="B360E6">
-                  <a:lumMod val="86000"/>
-                  <a:lumOff val="14000"/>
+                  <a:lumMod val="75000"/>
+                  <a:lumOff val="25000"/>
                 </a:srgbClr>
               </a:gs>
               <a:gs pos="50000">
@@ -647,7 +768,9 @@
                 </a:srgbClr>
               </a:gs>
               <a:gs pos="30000">
-                <a:srgbClr val="21E3B5"/>
+                <a:srgbClr val="21E3B5">
+                  <a:lumMod val="85000"/>
+                </a:srgbClr>
               </a:gs>
             </a:gsLst>
             <a:lin ang="2700000" scaled="1"/>
@@ -674,7 +797,9 @@
           </a:fontRef>
         </p:style>
         <p:txBody>
-          <a:bodyPr rtlCol="0" anchor="ctr"/>
+          <a:bodyPr wrap="square" rtlCol="0" anchor="ctr">
+            <a:noAutofit/>
+          </a:bodyPr>
           <a:lstStyle/>
           <a:p>
             <a:pPr algn="ctr"/>
@@ -746,6 +871,161 @@
 </file>
 
 <file path=ppt/slides/slide2.xml><?xml version="1.0" encoding="utf-8"?>
+<p:sld xmlns:a="http://schemas.openxmlformats.org/drawingml/2006/main" xmlns:r="http://schemas.openxmlformats.org/officeDocument/2006/relationships" xmlns:p="http://schemas.openxmlformats.org/presentationml/2006/main">
+  <p:cSld>
+    <p:spTree>
+      <p:nvGrpSpPr>
+        <p:cNvPr id="1" name="">
+          <a:extLst>
+            <a:ext uri="{FF2B5EF4-FFF2-40B4-BE49-F238E27FC236}">
+              <a16:creationId xmlns:a16="http://schemas.microsoft.com/office/drawing/2014/main" id="{89CECC03-BE80-B28C-E97F-ACC3C4216BE3}"/>
+            </a:ext>
+          </a:extLst>
+        </p:cNvPr>
+        <p:cNvGrpSpPr/>
+        <p:nvPr/>
+      </p:nvGrpSpPr>
+      <p:grpSpPr>
+        <a:xfrm>
+          <a:off x="0" y="0"/>
+          <a:ext cx="0" cy="0"/>
+          <a:chOff x="0" y="0"/>
+          <a:chExt cx="0" cy="0"/>
+        </a:xfrm>
+      </p:grpSpPr>
+      <p:sp>
+        <p:nvSpPr>
+          <p:cNvPr id="2" name="ひし形 1">
+            <a:extLst>
+              <a:ext uri="{FF2B5EF4-FFF2-40B4-BE49-F238E27FC236}">
+                <a16:creationId xmlns:a16="http://schemas.microsoft.com/office/drawing/2014/main" id="{3BC95945-4C15-F0CE-504B-A11D78F562D7}"/>
+              </a:ext>
+            </a:extLst>
+          </p:cNvPr>
+          <p:cNvSpPr/>
+          <p:nvPr/>
+        </p:nvSpPr>
+        <p:spPr>
+          <a:xfrm>
+            <a:off x="1440381" y="1440381"/>
+            <a:ext cx="5760000" cy="5760000"/>
+          </a:xfrm>
+          <a:prstGeom prst="diamond">
+            <a:avLst/>
+          </a:prstGeom>
+          <a:gradFill flip="none" rotWithShape="1">
+            <a:gsLst>
+              <a:gs pos="70000">
+                <a:srgbClr val="B360E6">
+                  <a:lumMod val="86000"/>
+                  <a:lumOff val="14000"/>
+                </a:srgbClr>
+              </a:gs>
+              <a:gs pos="50000">
+                <a:srgbClr val="20C0E0">
+                  <a:lumMod val="93000"/>
+                </a:srgbClr>
+              </a:gs>
+              <a:gs pos="30000">
+                <a:srgbClr val="21E3B5"/>
+              </a:gs>
+            </a:gsLst>
+            <a:lin ang="2700000" scaled="1"/>
+            <a:tileRect/>
+          </a:gradFill>
+          <a:ln>
+            <a:noFill/>
+          </a:ln>
+        </p:spPr>
+        <p:style>
+          <a:lnRef idx="2">
+            <a:schemeClr val="accent1">
+              <a:shade val="15000"/>
+            </a:schemeClr>
+          </a:lnRef>
+          <a:fillRef idx="1">
+            <a:schemeClr val="accent1"/>
+          </a:fillRef>
+          <a:effectRef idx="0">
+            <a:schemeClr val="accent1"/>
+          </a:effectRef>
+          <a:fontRef idx="minor">
+            <a:schemeClr val="lt1"/>
+          </a:fontRef>
+        </p:style>
+        <p:txBody>
+          <a:bodyPr rtlCol="0" anchor="ctr"/>
+          <a:lstStyle/>
+          <a:p>
+            <a:pPr algn="ctr"/>
+            <a:endParaRPr kumimoji="1" lang="ja-JP" altLang="en-US"/>
+          </a:p>
+        </p:txBody>
+      </p:sp>
+      <p:sp>
+        <p:nvSpPr>
+          <p:cNvPr id="3" name="正方形/長方形 2">
+            <a:extLst>
+              <a:ext uri="{FF2B5EF4-FFF2-40B4-BE49-F238E27FC236}">
+                <a16:creationId xmlns:a16="http://schemas.microsoft.com/office/drawing/2014/main" id="{2B64692F-177E-99D5-2D74-BC3AF117D2AC}"/>
+              </a:ext>
+            </a:extLst>
+          </p:cNvPr>
+          <p:cNvSpPr/>
+          <p:nvPr/>
+        </p:nvSpPr>
+        <p:spPr>
+          <a:xfrm>
+            <a:off x="1440381" y="1440381"/>
+            <a:ext cx="5760000" cy="5760000"/>
+          </a:xfrm>
+          <a:prstGeom prst="rect">
+            <a:avLst/>
+          </a:prstGeom>
+          <a:noFill/>
+          <a:ln>
+            <a:noFill/>
+          </a:ln>
+        </p:spPr>
+        <p:style>
+          <a:lnRef idx="2">
+            <a:schemeClr val="accent1">
+              <a:shade val="15000"/>
+            </a:schemeClr>
+          </a:lnRef>
+          <a:fillRef idx="1">
+            <a:schemeClr val="accent1"/>
+          </a:fillRef>
+          <a:effectRef idx="0">
+            <a:schemeClr val="accent1"/>
+          </a:effectRef>
+          <a:fontRef idx="minor">
+            <a:schemeClr val="lt1"/>
+          </a:fontRef>
+        </p:style>
+        <p:txBody>
+          <a:bodyPr rtlCol="0" anchor="ctr"/>
+          <a:lstStyle/>
+          <a:p>
+            <a:pPr algn="ctr"/>
+            <a:endParaRPr kumimoji="1" lang="ja-JP" altLang="en-US"/>
+          </a:p>
+        </p:txBody>
+      </p:sp>
+    </p:spTree>
+    <p:extLst>
+      <p:ext uri="{BB962C8B-B14F-4D97-AF65-F5344CB8AC3E}">
+        <p14:creationId xmlns:p14="http://schemas.microsoft.com/office/powerpoint/2010/main" val="1121969199"/>
+      </p:ext>
+    </p:extLst>
+  </p:cSld>
+  <p:clrMapOvr>
+    <a:masterClrMapping/>
+  </p:clrMapOvr>
+</p:sld>
+</file>
+
+<file path=ppt/slides/slide3.xml><?xml version="1.0" encoding="utf-8"?>
 <p:sld xmlns:a="http://schemas.openxmlformats.org/drawingml/2006/main" xmlns:r="http://schemas.openxmlformats.org/officeDocument/2006/relationships" xmlns:p="http://schemas.openxmlformats.org/presentationml/2006/main">
   <p:cSld>
     <p:spTree>

--- a/assets/svgs.pptx
+++ b/assets/svgs.pptx
@@ -6,8 +6,9 @@
   </p:sldMasterIdLst>
   <p:sldIdLst>
     <p:sldId id="257" r:id="rId2"/>
-    <p:sldId id="258" r:id="rId3"/>
-    <p:sldId id="256" r:id="rId4"/>
+    <p:sldId id="259" r:id="rId3"/>
+    <p:sldId id="258" r:id="rId4"/>
+    <p:sldId id="256" r:id="rId5"/>
   </p:sldIdLst>
   <p:sldSz cx="8640763" cy="8640763"/>
   <p:notesSz cx="6858000" cy="9144000"/>
@@ -276,6 +277,36 @@
 </p:sldLayout>
 </file>
 
+<file path=ppt/slideLayouts/slideLayout2.xml><?xml version="1.0" encoding="utf-8"?>
+<p:sldLayout xmlns:a="http://schemas.openxmlformats.org/drawingml/2006/main" xmlns:r="http://schemas.openxmlformats.org/officeDocument/2006/relationships" xmlns:p="http://schemas.openxmlformats.org/presentationml/2006/main" preserve="1" userDrawn="1">
+  <p:cSld name="ユーザー設定レイアウト">
+    <p:spTree>
+      <p:nvGrpSpPr>
+        <p:cNvPr id="1" name=""/>
+        <p:cNvGrpSpPr/>
+        <p:nvPr/>
+      </p:nvGrpSpPr>
+      <p:grpSpPr>
+        <a:xfrm>
+          <a:off x="0" y="0"/>
+          <a:ext cx="0" cy="0"/>
+          <a:chOff x="0" y="0"/>
+          <a:chExt cx="0" cy="0"/>
+        </a:xfrm>
+      </p:grpSpPr>
+    </p:spTree>
+    <p:extLst>
+      <p:ext uri="{BB962C8B-B14F-4D97-AF65-F5344CB8AC3E}">
+        <p14:creationId xmlns:p14="http://schemas.microsoft.com/office/powerpoint/2010/main" val="3796553817"/>
+      </p:ext>
+    </p:extLst>
+  </p:cSld>
+  <p:clrMapOvr>
+    <a:masterClrMapping/>
+  </p:clrMapOvr>
+</p:sldLayout>
+</file>
+
 <file path=ppt/slideMasters/slideMaster1.xml><?xml version="1.0" encoding="utf-8"?>
 <p:sldMaster xmlns:a="http://schemas.openxmlformats.org/drawingml/2006/main" xmlns:r="http://schemas.openxmlformats.org/officeDocument/2006/relationships" xmlns:p="http://schemas.openxmlformats.org/presentationml/2006/main">
   <p:cSld>
@@ -284,7 +315,7 @@
         <a:pattFill prst="lgCheck">
           <a:fgClr>
             <a:schemeClr val="bg1">
-              <a:lumMod val="75000"/>
+              <a:lumMod val="85000"/>
             </a:schemeClr>
           </a:fgClr>
           <a:bgClr>
@@ -318,6 +349,7 @@
   <p:clrMap bg1="lt1" tx1="dk1" bg2="lt2" tx2="dk2" accent1="accent1" accent2="accent2" accent3="accent3" accent4="accent4" accent5="accent5" accent6="accent6" hlink="hlink" folHlink="folHlink"/>
   <p:sldLayoutIdLst>
     <p:sldLayoutId id="2147483679" r:id="rId1"/>
+    <p:sldLayoutId id="2147483680" r:id="rId2"/>
   </p:sldLayoutIdLst>
   <p:txStyles>
     <p:titleStyle>
@@ -875,6 +907,2863 @@
   <p:cSld>
     <p:spTree>
       <p:nvGrpSpPr>
+        <p:cNvPr id="1" name=""/>
+        <p:cNvGrpSpPr/>
+        <p:nvPr/>
+      </p:nvGrpSpPr>
+      <p:grpSpPr>
+        <a:xfrm>
+          <a:off x="0" y="0"/>
+          <a:ext cx="0" cy="0"/>
+          <a:chOff x="0" y="0"/>
+          <a:chExt cx="0" cy="0"/>
+        </a:xfrm>
+      </p:grpSpPr>
+      <p:sp>
+        <p:nvSpPr>
+          <p:cNvPr id="2" name="フリーフォーム: 図形 1">
+            <a:extLst>
+              <a:ext uri="{FF2B5EF4-FFF2-40B4-BE49-F238E27FC236}">
+                <a16:creationId xmlns:a16="http://schemas.microsoft.com/office/drawing/2014/main" id="{FC61FDFA-0B62-ACAA-1264-6580886F9E2F}"/>
+              </a:ext>
+            </a:extLst>
+          </p:cNvPr>
+          <p:cNvSpPr/>
+          <p:nvPr/>
+        </p:nvSpPr>
+        <p:spPr>
+          <a:xfrm>
+            <a:off x="720381" y="1440381"/>
+            <a:ext cx="1440000" cy="1440000"/>
+          </a:xfrm>
+          <a:custGeom>
+            <a:avLst/>
+            <a:gdLst>
+              <a:gd name="connsiteX0" fmla="*/ 2880000 w 5760000"/>
+              <a:gd name="connsiteY0" fmla="*/ 0 h 5760000"/>
+              <a:gd name="connsiteX1" fmla="*/ 5760000 w 5760000"/>
+              <a:gd name="connsiteY1" fmla="*/ 2880000 h 5760000"/>
+              <a:gd name="connsiteX2" fmla="*/ 4320000 w 5760000"/>
+              <a:gd name="connsiteY2" fmla="*/ 4320000 h 5760000"/>
+              <a:gd name="connsiteX3" fmla="*/ 4320000 w 5760000"/>
+              <a:gd name="connsiteY3" fmla="*/ 3600000 h 5760000"/>
+              <a:gd name="connsiteX4" fmla="*/ 2160000 w 5760000"/>
+              <a:gd name="connsiteY4" fmla="*/ 3600000 h 5760000"/>
+              <a:gd name="connsiteX5" fmla="*/ 2160000 w 5760000"/>
+              <a:gd name="connsiteY5" fmla="*/ 2160000 h 5760000"/>
+              <a:gd name="connsiteX6" fmla="*/ 4320000 w 5760000"/>
+              <a:gd name="connsiteY6" fmla="*/ 2160000 h 5760000"/>
+              <a:gd name="connsiteX7" fmla="*/ 4320000 w 5760000"/>
+              <a:gd name="connsiteY7" fmla="*/ 1440000 h 5760000"/>
+              <a:gd name="connsiteX8" fmla="*/ 1440000 w 5760000"/>
+              <a:gd name="connsiteY8" fmla="*/ 1440000 h 5760000"/>
+              <a:gd name="connsiteX9" fmla="*/ 1440000 w 5760000"/>
+              <a:gd name="connsiteY9" fmla="*/ 4320000 h 5760000"/>
+              <a:gd name="connsiteX10" fmla="*/ 4320000 w 5760000"/>
+              <a:gd name="connsiteY10" fmla="*/ 4320000 h 5760000"/>
+              <a:gd name="connsiteX11" fmla="*/ 2880000 w 5760000"/>
+              <a:gd name="connsiteY11" fmla="*/ 5760000 h 5760000"/>
+              <a:gd name="connsiteX12" fmla="*/ 0 w 5760000"/>
+              <a:gd name="connsiteY12" fmla="*/ 2880000 h 5760000"/>
+            </a:gdLst>
+            <a:ahLst/>
+            <a:cxnLst>
+              <a:cxn ang="0">
+                <a:pos x="connsiteX0" y="connsiteY0"/>
+              </a:cxn>
+              <a:cxn ang="0">
+                <a:pos x="connsiteX1" y="connsiteY1"/>
+              </a:cxn>
+              <a:cxn ang="0">
+                <a:pos x="connsiteX2" y="connsiteY2"/>
+              </a:cxn>
+              <a:cxn ang="0">
+                <a:pos x="connsiteX3" y="connsiteY3"/>
+              </a:cxn>
+              <a:cxn ang="0">
+                <a:pos x="connsiteX4" y="connsiteY4"/>
+              </a:cxn>
+              <a:cxn ang="0">
+                <a:pos x="connsiteX5" y="connsiteY5"/>
+              </a:cxn>
+              <a:cxn ang="0">
+                <a:pos x="connsiteX6" y="connsiteY6"/>
+              </a:cxn>
+              <a:cxn ang="0">
+                <a:pos x="connsiteX7" y="connsiteY7"/>
+              </a:cxn>
+              <a:cxn ang="0">
+                <a:pos x="connsiteX8" y="connsiteY8"/>
+              </a:cxn>
+              <a:cxn ang="0">
+                <a:pos x="connsiteX9" y="connsiteY9"/>
+              </a:cxn>
+              <a:cxn ang="0">
+                <a:pos x="connsiteX10" y="connsiteY10"/>
+              </a:cxn>
+              <a:cxn ang="0">
+                <a:pos x="connsiteX11" y="connsiteY11"/>
+              </a:cxn>
+              <a:cxn ang="0">
+                <a:pos x="connsiteX12" y="connsiteY12"/>
+              </a:cxn>
+            </a:cxnLst>
+            <a:rect l="l" t="t" r="r" b="b"/>
+            <a:pathLst>
+              <a:path w="5760000" h="5760000">
+                <a:moveTo>
+                  <a:pt x="2880000" y="0"/>
+                </a:moveTo>
+                <a:lnTo>
+                  <a:pt x="5760000" y="2880000"/>
+                </a:lnTo>
+                <a:lnTo>
+                  <a:pt x="4320000" y="4320000"/>
+                </a:lnTo>
+                <a:lnTo>
+                  <a:pt x="4320000" y="3600000"/>
+                </a:lnTo>
+                <a:lnTo>
+                  <a:pt x="2160000" y="3600000"/>
+                </a:lnTo>
+                <a:lnTo>
+                  <a:pt x="2160000" y="2160000"/>
+                </a:lnTo>
+                <a:lnTo>
+                  <a:pt x="4320000" y="2160000"/>
+                </a:lnTo>
+                <a:lnTo>
+                  <a:pt x="4320000" y="1440000"/>
+                </a:lnTo>
+                <a:lnTo>
+                  <a:pt x="1440000" y="1440000"/>
+                </a:lnTo>
+                <a:lnTo>
+                  <a:pt x="1440000" y="4320000"/>
+                </a:lnTo>
+                <a:lnTo>
+                  <a:pt x="4320000" y="4320000"/>
+                </a:lnTo>
+                <a:lnTo>
+                  <a:pt x="2880000" y="5760000"/>
+                </a:lnTo>
+                <a:lnTo>
+                  <a:pt x="0" y="2880000"/>
+                </a:lnTo>
+                <a:close/>
+              </a:path>
+            </a:pathLst>
+          </a:custGeom>
+          <a:gradFill flip="none" rotWithShape="1">
+            <a:gsLst>
+              <a:gs pos="70000">
+                <a:srgbClr val="B360E6">
+                  <a:lumMod val="75000"/>
+                  <a:lumOff val="25000"/>
+                </a:srgbClr>
+              </a:gs>
+              <a:gs pos="50000">
+                <a:srgbClr val="20C0E0">
+                  <a:lumMod val="93000"/>
+                </a:srgbClr>
+              </a:gs>
+              <a:gs pos="30000">
+                <a:srgbClr val="21E3B5">
+                  <a:lumMod val="85000"/>
+                </a:srgbClr>
+              </a:gs>
+            </a:gsLst>
+            <a:lin ang="2700000" scaled="1"/>
+            <a:tileRect/>
+          </a:gradFill>
+          <a:ln>
+            <a:noFill/>
+          </a:ln>
+        </p:spPr>
+        <p:style>
+          <a:lnRef idx="2">
+            <a:schemeClr val="accent1">
+              <a:shade val="15000"/>
+            </a:schemeClr>
+          </a:lnRef>
+          <a:fillRef idx="1">
+            <a:schemeClr val="accent1"/>
+          </a:fillRef>
+          <a:effectRef idx="0">
+            <a:schemeClr val="accent1"/>
+          </a:effectRef>
+          <a:fontRef idx="minor">
+            <a:schemeClr val="lt1"/>
+          </a:fontRef>
+        </p:style>
+        <p:txBody>
+          <a:bodyPr wrap="square" rtlCol="0" anchor="ctr">
+            <a:noAutofit/>
+          </a:bodyPr>
+          <a:lstStyle/>
+          <a:p>
+            <a:pPr algn="ctr"/>
+            <a:endParaRPr kumimoji="1" lang="ja-JP" altLang="en-US"/>
+          </a:p>
+        </p:txBody>
+      </p:sp>
+      <p:sp>
+        <p:nvSpPr>
+          <p:cNvPr id="3" name="テキスト ボックス 2">
+            <a:extLst>
+              <a:ext uri="{FF2B5EF4-FFF2-40B4-BE49-F238E27FC236}">
+                <a16:creationId xmlns:a16="http://schemas.microsoft.com/office/drawing/2014/main" id="{ADF45CE0-5D40-6F14-BD7A-E513D41A4FA6}"/>
+              </a:ext>
+            </a:extLst>
+          </p:cNvPr>
+          <p:cNvSpPr txBox="1"/>
+          <p:nvPr/>
+        </p:nvSpPr>
+        <p:spPr>
+          <a:xfrm>
+            <a:off x="2255925" y="1586249"/>
+            <a:ext cx="5986376" cy="1261884"/>
+          </a:xfrm>
+          <a:prstGeom prst="rect">
+            <a:avLst/>
+          </a:prstGeom>
+          <a:noFill/>
+        </p:spPr>
+        <p:txBody>
+          <a:bodyPr wrap="square" lIns="0" tIns="0" rIns="0" bIns="0" rtlCol="0">
+            <a:noAutofit/>
+          </a:bodyPr>
+          <a:lstStyle/>
+          <a:p>
+            <a:r>
+              <a:rPr kumimoji="1" lang="en-US" altLang="ja-JP" sz="7500" dirty="0">
+                <a:latin typeface="Monaspace Krypton Var" panose="02000009000000000000" pitchFamily="50" charset="0"/>
+                <a:ea typeface="Monaspace Krypton Var" panose="02000009000000000000" pitchFamily="50" charset="0"/>
+              </a:rPr>
+              <a:t>fluorite12</a:t>
+            </a:r>
+            <a:endParaRPr kumimoji="1" lang="ja-JP" altLang="en-US" sz="7500" dirty="0">
+              <a:latin typeface="Monaspace Krypton Var" panose="02000009000000000000" pitchFamily="50" charset="0"/>
+            </a:endParaRPr>
+          </a:p>
+        </p:txBody>
+      </p:sp>
+      <p:sp>
+        <p:nvSpPr>
+          <p:cNvPr id="4" name="正方形/長方形 3">
+            <a:extLst>
+              <a:ext uri="{FF2B5EF4-FFF2-40B4-BE49-F238E27FC236}">
+                <a16:creationId xmlns:a16="http://schemas.microsoft.com/office/drawing/2014/main" id="{DFDE6C67-99AB-D7B3-1224-1D9C652B8A0C}"/>
+              </a:ext>
+            </a:extLst>
+          </p:cNvPr>
+          <p:cNvSpPr/>
+          <p:nvPr/>
+        </p:nvSpPr>
+        <p:spPr>
+          <a:xfrm>
+            <a:off x="720381" y="1440381"/>
+            <a:ext cx="7560000" cy="1440000"/>
+          </a:xfrm>
+          <a:prstGeom prst="rect">
+            <a:avLst/>
+          </a:prstGeom>
+          <a:noFill/>
+          <a:ln>
+            <a:noFill/>
+          </a:ln>
+        </p:spPr>
+        <p:style>
+          <a:lnRef idx="2">
+            <a:schemeClr val="accent1">
+              <a:shade val="15000"/>
+            </a:schemeClr>
+          </a:lnRef>
+          <a:fillRef idx="1">
+            <a:schemeClr val="accent1"/>
+          </a:fillRef>
+          <a:effectRef idx="0">
+            <a:schemeClr val="accent1"/>
+          </a:effectRef>
+          <a:fontRef idx="minor">
+            <a:schemeClr val="lt1"/>
+          </a:fontRef>
+        </p:style>
+        <p:txBody>
+          <a:bodyPr rtlCol="0" anchor="ctr"/>
+          <a:lstStyle/>
+          <a:p>
+            <a:pPr algn="ctr"/>
+            <a:endParaRPr kumimoji="1" lang="ja-JP" altLang="en-US"/>
+          </a:p>
+        </p:txBody>
+      </p:sp>
+      <p:sp>
+        <p:nvSpPr>
+          <p:cNvPr id="10" name="フリーフォーム: 図形 9">
+            <a:extLst>
+              <a:ext uri="{FF2B5EF4-FFF2-40B4-BE49-F238E27FC236}">
+                <a16:creationId xmlns:a16="http://schemas.microsoft.com/office/drawing/2014/main" id="{2AB37EE3-1700-5B45-9066-E66A651A17EB}"/>
+              </a:ext>
+            </a:extLst>
+          </p:cNvPr>
+          <p:cNvSpPr/>
+          <p:nvPr/>
+        </p:nvSpPr>
+        <p:spPr>
+          <a:xfrm>
+            <a:off x="540381" y="1260381"/>
+            <a:ext cx="7920000" cy="1800000"/>
+          </a:xfrm>
+          <a:custGeom>
+            <a:avLst/>
+            <a:gdLst>
+              <a:gd name="connsiteX0" fmla="*/ 180000 w 7920000"/>
+              <a:gd name="connsiteY0" fmla="*/ 180000 h 1800000"/>
+              <a:gd name="connsiteX1" fmla="*/ 180000 w 7920000"/>
+              <a:gd name="connsiteY1" fmla="*/ 1620000 h 1800000"/>
+              <a:gd name="connsiteX2" fmla="*/ 7740000 w 7920000"/>
+              <a:gd name="connsiteY2" fmla="*/ 1620000 h 1800000"/>
+              <a:gd name="connsiteX3" fmla="*/ 7740000 w 7920000"/>
+              <a:gd name="connsiteY3" fmla="*/ 180000 h 1800000"/>
+              <a:gd name="connsiteX4" fmla="*/ 0 w 7920000"/>
+              <a:gd name="connsiteY4" fmla="*/ 0 h 1800000"/>
+              <a:gd name="connsiteX5" fmla="*/ 0 w 7920000"/>
+              <a:gd name="connsiteY5" fmla="*/ 0 h 1800000"/>
+              <a:gd name="connsiteX6" fmla="*/ 180000 w 7920000"/>
+              <a:gd name="connsiteY6" fmla="*/ 0 h 1800000"/>
+              <a:gd name="connsiteX7" fmla="*/ 7740000 w 7920000"/>
+              <a:gd name="connsiteY7" fmla="*/ 0 h 1800000"/>
+              <a:gd name="connsiteX8" fmla="*/ 7920000 w 7920000"/>
+              <a:gd name="connsiteY8" fmla="*/ 0 h 1800000"/>
+              <a:gd name="connsiteX9" fmla="*/ 7920000 w 7920000"/>
+              <a:gd name="connsiteY9" fmla="*/ 180000 h 1800000"/>
+              <a:gd name="connsiteX10" fmla="*/ 7920000 w 7920000"/>
+              <a:gd name="connsiteY10" fmla="*/ 1620000 h 1800000"/>
+              <a:gd name="connsiteX11" fmla="*/ 7920000 w 7920000"/>
+              <a:gd name="connsiteY11" fmla="*/ 1800000 h 1800000"/>
+              <a:gd name="connsiteX12" fmla="*/ 7740000 w 7920000"/>
+              <a:gd name="connsiteY12" fmla="*/ 1800000 h 1800000"/>
+              <a:gd name="connsiteX13" fmla="*/ 180000 w 7920000"/>
+              <a:gd name="connsiteY13" fmla="*/ 1800000 h 1800000"/>
+              <a:gd name="connsiteX14" fmla="*/ 0 w 7920000"/>
+              <a:gd name="connsiteY14" fmla="*/ 1800000 h 1800000"/>
+              <a:gd name="connsiteX15" fmla="*/ 0 w 7920000"/>
+              <a:gd name="connsiteY15" fmla="*/ 1800000 h 1800000"/>
+            </a:gdLst>
+            <a:ahLst/>
+            <a:cxnLst>
+              <a:cxn ang="0">
+                <a:pos x="connsiteX0" y="connsiteY0"/>
+              </a:cxn>
+              <a:cxn ang="0">
+                <a:pos x="connsiteX1" y="connsiteY1"/>
+              </a:cxn>
+              <a:cxn ang="0">
+                <a:pos x="connsiteX2" y="connsiteY2"/>
+              </a:cxn>
+              <a:cxn ang="0">
+                <a:pos x="connsiteX3" y="connsiteY3"/>
+              </a:cxn>
+              <a:cxn ang="0">
+                <a:pos x="connsiteX4" y="connsiteY4"/>
+              </a:cxn>
+              <a:cxn ang="0">
+                <a:pos x="connsiteX5" y="connsiteY5"/>
+              </a:cxn>
+              <a:cxn ang="0">
+                <a:pos x="connsiteX6" y="connsiteY6"/>
+              </a:cxn>
+              <a:cxn ang="0">
+                <a:pos x="connsiteX7" y="connsiteY7"/>
+              </a:cxn>
+              <a:cxn ang="0">
+                <a:pos x="connsiteX8" y="connsiteY8"/>
+              </a:cxn>
+              <a:cxn ang="0">
+                <a:pos x="connsiteX9" y="connsiteY9"/>
+              </a:cxn>
+              <a:cxn ang="0">
+                <a:pos x="connsiteX10" y="connsiteY10"/>
+              </a:cxn>
+              <a:cxn ang="0">
+                <a:pos x="connsiteX11" y="connsiteY11"/>
+              </a:cxn>
+              <a:cxn ang="0">
+                <a:pos x="connsiteX12" y="connsiteY12"/>
+              </a:cxn>
+              <a:cxn ang="0">
+                <a:pos x="connsiteX13" y="connsiteY13"/>
+              </a:cxn>
+              <a:cxn ang="0">
+                <a:pos x="connsiteX14" y="connsiteY14"/>
+              </a:cxn>
+              <a:cxn ang="0">
+                <a:pos x="connsiteX15" y="connsiteY15"/>
+              </a:cxn>
+            </a:cxnLst>
+            <a:rect l="l" t="t" r="r" b="b"/>
+            <a:pathLst>
+              <a:path w="7920000" h="1800000">
+                <a:moveTo>
+                  <a:pt x="180000" y="180000"/>
+                </a:moveTo>
+                <a:lnTo>
+                  <a:pt x="180000" y="1620000"/>
+                </a:lnTo>
+                <a:lnTo>
+                  <a:pt x="7740000" y="1620000"/>
+                </a:lnTo>
+                <a:lnTo>
+                  <a:pt x="7740000" y="180000"/>
+                </a:lnTo>
+                <a:close/>
+                <a:moveTo>
+                  <a:pt x="0" y="0"/>
+                </a:moveTo>
+                <a:lnTo>
+                  <a:pt x="0" y="0"/>
+                </a:lnTo>
+                <a:lnTo>
+                  <a:pt x="180000" y="0"/>
+                </a:lnTo>
+                <a:lnTo>
+                  <a:pt x="7740000" y="0"/>
+                </a:lnTo>
+                <a:lnTo>
+                  <a:pt x="7920000" y="0"/>
+                </a:lnTo>
+                <a:lnTo>
+                  <a:pt x="7920000" y="180000"/>
+                </a:lnTo>
+                <a:lnTo>
+                  <a:pt x="7920000" y="1620000"/>
+                </a:lnTo>
+                <a:lnTo>
+                  <a:pt x="7920000" y="1800000"/>
+                </a:lnTo>
+                <a:lnTo>
+                  <a:pt x="7740000" y="1800000"/>
+                </a:lnTo>
+                <a:lnTo>
+                  <a:pt x="180000" y="1800000"/>
+                </a:lnTo>
+                <a:lnTo>
+                  <a:pt x="0" y="1800000"/>
+                </a:lnTo>
+                <a:lnTo>
+                  <a:pt x="0" y="1800000"/>
+                </a:lnTo>
+                <a:close/>
+              </a:path>
+            </a:pathLst>
+          </a:custGeom>
+          <a:solidFill>
+            <a:schemeClr val="bg1">
+              <a:lumMod val="65000"/>
+            </a:schemeClr>
+          </a:solidFill>
+          <a:ln>
+            <a:noFill/>
+          </a:ln>
+        </p:spPr>
+        <p:style>
+          <a:lnRef idx="2">
+            <a:schemeClr val="accent1">
+              <a:shade val="15000"/>
+            </a:schemeClr>
+          </a:lnRef>
+          <a:fillRef idx="1">
+            <a:schemeClr val="accent1"/>
+          </a:fillRef>
+          <a:effectRef idx="0">
+            <a:schemeClr val="accent1"/>
+          </a:effectRef>
+          <a:fontRef idx="minor">
+            <a:schemeClr val="lt1"/>
+          </a:fontRef>
+        </p:style>
+        <p:txBody>
+          <a:bodyPr wrap="square" rtlCol="0" anchor="ctr">
+            <a:noAutofit/>
+          </a:bodyPr>
+          <a:lstStyle/>
+          <a:p>
+            <a:pPr algn="ctr"/>
+            <a:endParaRPr kumimoji="1" lang="ja-JP" altLang="en-US" sz="2592"/>
+          </a:p>
+        </p:txBody>
+      </p:sp>
+      <p:sp>
+        <p:nvSpPr>
+          <p:cNvPr id="9" name="フリーフォーム: 図形 8">
+            <a:extLst>
+              <a:ext uri="{FF2B5EF4-FFF2-40B4-BE49-F238E27FC236}">
+                <a16:creationId xmlns:a16="http://schemas.microsoft.com/office/drawing/2014/main" id="{F90CFF93-EFB3-DB70-8B32-BF215913460B}"/>
+              </a:ext>
+            </a:extLst>
+          </p:cNvPr>
+          <p:cNvSpPr/>
+          <p:nvPr/>
+        </p:nvSpPr>
+        <p:spPr>
+          <a:xfrm>
+            <a:off x="720381" y="3600381"/>
+            <a:ext cx="1440000" cy="1440000"/>
+          </a:xfrm>
+          <a:custGeom>
+            <a:avLst/>
+            <a:gdLst>
+              <a:gd name="connsiteX0" fmla="*/ 2880000 w 5760000"/>
+              <a:gd name="connsiteY0" fmla="*/ 0 h 5760000"/>
+              <a:gd name="connsiteX1" fmla="*/ 5760000 w 5760000"/>
+              <a:gd name="connsiteY1" fmla="*/ 2880000 h 5760000"/>
+              <a:gd name="connsiteX2" fmla="*/ 4320000 w 5760000"/>
+              <a:gd name="connsiteY2" fmla="*/ 4320000 h 5760000"/>
+              <a:gd name="connsiteX3" fmla="*/ 4320000 w 5760000"/>
+              <a:gd name="connsiteY3" fmla="*/ 3600000 h 5760000"/>
+              <a:gd name="connsiteX4" fmla="*/ 2160000 w 5760000"/>
+              <a:gd name="connsiteY4" fmla="*/ 3600000 h 5760000"/>
+              <a:gd name="connsiteX5" fmla="*/ 2160000 w 5760000"/>
+              <a:gd name="connsiteY5" fmla="*/ 2160000 h 5760000"/>
+              <a:gd name="connsiteX6" fmla="*/ 4320000 w 5760000"/>
+              <a:gd name="connsiteY6" fmla="*/ 2160000 h 5760000"/>
+              <a:gd name="connsiteX7" fmla="*/ 4320000 w 5760000"/>
+              <a:gd name="connsiteY7" fmla="*/ 1440000 h 5760000"/>
+              <a:gd name="connsiteX8" fmla="*/ 1440000 w 5760000"/>
+              <a:gd name="connsiteY8" fmla="*/ 1440000 h 5760000"/>
+              <a:gd name="connsiteX9" fmla="*/ 1440000 w 5760000"/>
+              <a:gd name="connsiteY9" fmla="*/ 4320000 h 5760000"/>
+              <a:gd name="connsiteX10" fmla="*/ 4320000 w 5760000"/>
+              <a:gd name="connsiteY10" fmla="*/ 4320000 h 5760000"/>
+              <a:gd name="connsiteX11" fmla="*/ 2880000 w 5760000"/>
+              <a:gd name="connsiteY11" fmla="*/ 5760000 h 5760000"/>
+              <a:gd name="connsiteX12" fmla="*/ 0 w 5760000"/>
+              <a:gd name="connsiteY12" fmla="*/ 2880000 h 5760000"/>
+            </a:gdLst>
+            <a:ahLst/>
+            <a:cxnLst>
+              <a:cxn ang="0">
+                <a:pos x="connsiteX0" y="connsiteY0"/>
+              </a:cxn>
+              <a:cxn ang="0">
+                <a:pos x="connsiteX1" y="connsiteY1"/>
+              </a:cxn>
+              <a:cxn ang="0">
+                <a:pos x="connsiteX2" y="connsiteY2"/>
+              </a:cxn>
+              <a:cxn ang="0">
+                <a:pos x="connsiteX3" y="connsiteY3"/>
+              </a:cxn>
+              <a:cxn ang="0">
+                <a:pos x="connsiteX4" y="connsiteY4"/>
+              </a:cxn>
+              <a:cxn ang="0">
+                <a:pos x="connsiteX5" y="connsiteY5"/>
+              </a:cxn>
+              <a:cxn ang="0">
+                <a:pos x="connsiteX6" y="connsiteY6"/>
+              </a:cxn>
+              <a:cxn ang="0">
+                <a:pos x="connsiteX7" y="connsiteY7"/>
+              </a:cxn>
+              <a:cxn ang="0">
+                <a:pos x="connsiteX8" y="connsiteY8"/>
+              </a:cxn>
+              <a:cxn ang="0">
+                <a:pos x="connsiteX9" y="connsiteY9"/>
+              </a:cxn>
+              <a:cxn ang="0">
+                <a:pos x="connsiteX10" y="connsiteY10"/>
+              </a:cxn>
+              <a:cxn ang="0">
+                <a:pos x="connsiteX11" y="connsiteY11"/>
+              </a:cxn>
+              <a:cxn ang="0">
+                <a:pos x="connsiteX12" y="connsiteY12"/>
+              </a:cxn>
+            </a:cxnLst>
+            <a:rect l="l" t="t" r="r" b="b"/>
+            <a:pathLst>
+              <a:path w="5760000" h="5760000">
+                <a:moveTo>
+                  <a:pt x="2880000" y="0"/>
+                </a:moveTo>
+                <a:lnTo>
+                  <a:pt x="5760000" y="2880000"/>
+                </a:lnTo>
+                <a:lnTo>
+                  <a:pt x="4320000" y="4320000"/>
+                </a:lnTo>
+                <a:lnTo>
+                  <a:pt x="4320000" y="3600000"/>
+                </a:lnTo>
+                <a:lnTo>
+                  <a:pt x="2160000" y="3600000"/>
+                </a:lnTo>
+                <a:lnTo>
+                  <a:pt x="2160000" y="2160000"/>
+                </a:lnTo>
+                <a:lnTo>
+                  <a:pt x="4320000" y="2160000"/>
+                </a:lnTo>
+                <a:lnTo>
+                  <a:pt x="4320000" y="1440000"/>
+                </a:lnTo>
+                <a:lnTo>
+                  <a:pt x="1440000" y="1440000"/>
+                </a:lnTo>
+                <a:lnTo>
+                  <a:pt x="1440000" y="4320000"/>
+                </a:lnTo>
+                <a:lnTo>
+                  <a:pt x="4320000" y="4320000"/>
+                </a:lnTo>
+                <a:lnTo>
+                  <a:pt x="2880000" y="5760000"/>
+                </a:lnTo>
+                <a:lnTo>
+                  <a:pt x="0" y="2880000"/>
+                </a:lnTo>
+                <a:close/>
+              </a:path>
+            </a:pathLst>
+          </a:custGeom>
+          <a:gradFill flip="none" rotWithShape="1">
+            <a:gsLst>
+              <a:gs pos="70000">
+                <a:srgbClr val="B360E6">
+                  <a:lumMod val="75000"/>
+                  <a:lumOff val="25000"/>
+                </a:srgbClr>
+              </a:gs>
+              <a:gs pos="50000">
+                <a:srgbClr val="20C0E0">
+                  <a:lumMod val="93000"/>
+                </a:srgbClr>
+              </a:gs>
+              <a:gs pos="30000">
+                <a:srgbClr val="21E3B5">
+                  <a:lumMod val="85000"/>
+                </a:srgbClr>
+              </a:gs>
+            </a:gsLst>
+            <a:lin ang="2700000" scaled="1"/>
+            <a:tileRect/>
+          </a:gradFill>
+          <a:ln>
+            <a:noFill/>
+          </a:ln>
+        </p:spPr>
+        <p:style>
+          <a:lnRef idx="2">
+            <a:schemeClr val="accent1">
+              <a:shade val="15000"/>
+            </a:schemeClr>
+          </a:lnRef>
+          <a:fillRef idx="1">
+            <a:schemeClr val="accent1"/>
+          </a:fillRef>
+          <a:effectRef idx="0">
+            <a:schemeClr val="accent1"/>
+          </a:effectRef>
+          <a:fontRef idx="minor">
+            <a:schemeClr val="lt1"/>
+          </a:fontRef>
+        </p:style>
+        <p:txBody>
+          <a:bodyPr wrap="square" rtlCol="0" anchor="ctr">
+            <a:noAutofit/>
+          </a:bodyPr>
+          <a:lstStyle/>
+          <a:p>
+            <a:pPr algn="ctr"/>
+            <a:endParaRPr kumimoji="1" lang="ja-JP" altLang="en-US"/>
+          </a:p>
+        </p:txBody>
+      </p:sp>
+      <p:sp>
+        <p:nvSpPr>
+          <p:cNvPr id="15" name="テキスト ボックス 14">
+            <a:extLst>
+              <a:ext uri="{FF2B5EF4-FFF2-40B4-BE49-F238E27FC236}">
+                <a16:creationId xmlns:a16="http://schemas.microsoft.com/office/drawing/2014/main" id="{76CBDC07-667B-B439-51B5-DC22F0F496C4}"/>
+              </a:ext>
+            </a:extLst>
+          </p:cNvPr>
+          <p:cNvSpPr txBox="1"/>
+          <p:nvPr/>
+        </p:nvSpPr>
+        <p:spPr>
+          <a:xfrm>
+            <a:off x="2305931" y="3930082"/>
+            <a:ext cx="5786914" cy="760571"/>
+          </a:xfrm>
+          <a:custGeom>
+            <a:avLst/>
+            <a:gdLst>
+              <a:gd name="connsiteX0" fmla="*/ 34450 w 5786914"/>
+              <a:gd name="connsiteY0" fmla="*/ 3270299 h 3270299"/>
+              <a:gd name="connsiteX1" fmla="*/ 2014450 w 5786914"/>
+              <a:gd name="connsiteY1" fmla="*/ 2190299 h 3270299"/>
+              <a:gd name="connsiteX2" fmla="*/ 2014450 w 5786914"/>
+              <a:gd name="connsiteY2" fmla="*/ 3270299 h 3270299"/>
+              <a:gd name="connsiteX3" fmla="*/ 34450 w 5786914"/>
+              <a:gd name="connsiteY3" fmla="*/ 3270299 h 3270299"/>
+              <a:gd name="connsiteX4" fmla="*/ 1978343 w 5786914"/>
+              <a:gd name="connsiteY4" fmla="*/ 336232 h 3270299"/>
+              <a:gd name="connsiteX5" fmla="*/ 1873568 w 5786914"/>
+              <a:gd name="connsiteY5" fmla="*/ 446722 h 3270299"/>
+              <a:gd name="connsiteX6" fmla="*/ 1873568 w 5786914"/>
+              <a:gd name="connsiteY6" fmla="*/ 563403 h 3270299"/>
+              <a:gd name="connsiteX7" fmla="*/ 1978343 w 5786914"/>
+              <a:gd name="connsiteY7" fmla="*/ 673893 h 3270299"/>
+              <a:gd name="connsiteX8" fmla="*/ 2055019 w 5786914"/>
+              <a:gd name="connsiteY8" fmla="*/ 673893 h 3270299"/>
+              <a:gd name="connsiteX9" fmla="*/ 2160270 w 5786914"/>
+              <a:gd name="connsiteY9" fmla="*/ 563403 h 3270299"/>
+              <a:gd name="connsiteX10" fmla="*/ 2160270 w 5786914"/>
+              <a:gd name="connsiteY10" fmla="*/ 446722 h 3270299"/>
+              <a:gd name="connsiteX11" fmla="*/ 2055019 w 5786914"/>
+              <a:gd name="connsiteY11" fmla="*/ 336232 h 3270299"/>
+              <a:gd name="connsiteX12" fmla="*/ 1978343 w 5786914"/>
+              <a:gd name="connsiteY12" fmla="*/ 336232 h 3270299"/>
+              <a:gd name="connsiteX13" fmla="*/ 4335781 w 5786914"/>
+              <a:gd name="connsiteY13" fmla="*/ 328136 h 3270299"/>
+              <a:gd name="connsiteX14" fmla="*/ 4243864 w 5786914"/>
+              <a:gd name="connsiteY14" fmla="*/ 446722 h 3270299"/>
+              <a:gd name="connsiteX15" fmla="*/ 4243864 w 5786914"/>
+              <a:gd name="connsiteY15" fmla="*/ 458152 h 3270299"/>
+              <a:gd name="connsiteX16" fmla="*/ 4483894 w 5786914"/>
+              <a:gd name="connsiteY16" fmla="*/ 458152 h 3270299"/>
+              <a:gd name="connsiteX17" fmla="*/ 4521994 w 5786914"/>
+              <a:gd name="connsiteY17" fmla="*/ 423386 h 3270299"/>
+              <a:gd name="connsiteX18" fmla="*/ 4521994 w 5786914"/>
+              <a:gd name="connsiteY18" fmla="*/ 362902 h 3270299"/>
+              <a:gd name="connsiteX19" fmla="*/ 4482942 w 5786914"/>
+              <a:gd name="connsiteY19" fmla="*/ 328136 h 3270299"/>
+              <a:gd name="connsiteX20" fmla="*/ 4335781 w 5786914"/>
+              <a:gd name="connsiteY20" fmla="*/ 328136 h 3270299"/>
+              <a:gd name="connsiteX21" fmla="*/ 4297204 w 5786914"/>
+              <a:gd name="connsiteY21" fmla="*/ 260508 h 3270299"/>
+              <a:gd name="connsiteX22" fmla="*/ 4516279 w 5786914"/>
+              <a:gd name="connsiteY22" fmla="*/ 260508 h 3270299"/>
+              <a:gd name="connsiteX23" fmla="*/ 4597718 w 5786914"/>
+              <a:gd name="connsiteY23" fmla="*/ 342900 h 3270299"/>
+              <a:gd name="connsiteX24" fmla="*/ 4597718 w 5786914"/>
+              <a:gd name="connsiteY24" fmla="*/ 461962 h 3270299"/>
+              <a:gd name="connsiteX25" fmla="*/ 4537234 w 5786914"/>
+              <a:gd name="connsiteY25" fmla="*/ 519112 h 3270299"/>
+              <a:gd name="connsiteX26" fmla="*/ 4243864 w 5786914"/>
+              <a:gd name="connsiteY26" fmla="*/ 519112 h 3270299"/>
+              <a:gd name="connsiteX27" fmla="*/ 4243864 w 5786914"/>
+              <a:gd name="connsiteY27" fmla="*/ 566737 h 3270299"/>
+              <a:gd name="connsiteX28" fmla="*/ 4353402 w 5786914"/>
+              <a:gd name="connsiteY28" fmla="*/ 678656 h 3270299"/>
+              <a:gd name="connsiteX29" fmla="*/ 4576287 w 5786914"/>
+              <a:gd name="connsiteY29" fmla="*/ 678656 h 3270299"/>
+              <a:gd name="connsiteX30" fmla="*/ 4564857 w 5786914"/>
+              <a:gd name="connsiteY30" fmla="*/ 749617 h 3270299"/>
+              <a:gd name="connsiteX31" fmla="*/ 4313397 w 5786914"/>
+              <a:gd name="connsiteY31" fmla="*/ 749617 h 3270299"/>
+              <a:gd name="connsiteX32" fmla="*/ 4158616 w 5786914"/>
+              <a:gd name="connsiteY32" fmla="*/ 586263 h 3270299"/>
+              <a:gd name="connsiteX33" fmla="*/ 4158616 w 5786914"/>
+              <a:gd name="connsiteY33" fmla="*/ 423862 h 3270299"/>
+              <a:gd name="connsiteX34" fmla="*/ 4297204 w 5786914"/>
+              <a:gd name="connsiteY34" fmla="*/ 260508 h 3270299"/>
+              <a:gd name="connsiteX35" fmla="*/ 2996089 w 5786914"/>
+              <a:gd name="connsiteY35" fmla="*/ 260508 h 3270299"/>
+              <a:gd name="connsiteX36" fmla="*/ 3235167 w 5786914"/>
+              <a:gd name="connsiteY36" fmla="*/ 260508 h 3270299"/>
+              <a:gd name="connsiteX37" fmla="*/ 3283744 w 5786914"/>
+              <a:gd name="connsiteY37" fmla="*/ 315277 h 3270299"/>
+              <a:gd name="connsiteX38" fmla="*/ 3283744 w 5786914"/>
+              <a:gd name="connsiteY38" fmla="*/ 749617 h 3270299"/>
+              <a:gd name="connsiteX39" fmla="*/ 3192780 w 5786914"/>
+              <a:gd name="connsiteY39" fmla="*/ 749617 h 3270299"/>
+              <a:gd name="connsiteX40" fmla="*/ 3192780 w 5786914"/>
+              <a:gd name="connsiteY40" fmla="*/ 339090 h 3270299"/>
+              <a:gd name="connsiteX41" fmla="*/ 2984659 w 5786914"/>
+              <a:gd name="connsiteY41" fmla="*/ 339090 h 3270299"/>
+              <a:gd name="connsiteX42" fmla="*/ 2996089 w 5786914"/>
+              <a:gd name="connsiteY42" fmla="*/ 260508 h 3270299"/>
+              <a:gd name="connsiteX43" fmla="*/ 1943101 w 5786914"/>
+              <a:gd name="connsiteY43" fmla="*/ 260508 h 3270299"/>
+              <a:gd name="connsiteX44" fmla="*/ 2096929 w 5786914"/>
+              <a:gd name="connsiteY44" fmla="*/ 260508 h 3270299"/>
+              <a:gd name="connsiteX45" fmla="*/ 2245519 w 5786914"/>
+              <a:gd name="connsiteY45" fmla="*/ 423862 h 3270299"/>
+              <a:gd name="connsiteX46" fmla="*/ 2245519 w 5786914"/>
+              <a:gd name="connsiteY46" fmla="*/ 586263 h 3270299"/>
+              <a:gd name="connsiteX47" fmla="*/ 2090262 w 5786914"/>
+              <a:gd name="connsiteY47" fmla="*/ 749617 h 3270299"/>
+              <a:gd name="connsiteX48" fmla="*/ 1943101 w 5786914"/>
+              <a:gd name="connsiteY48" fmla="*/ 749617 h 3270299"/>
+              <a:gd name="connsiteX49" fmla="*/ 1788319 w 5786914"/>
+              <a:gd name="connsiteY49" fmla="*/ 586263 h 3270299"/>
+              <a:gd name="connsiteX50" fmla="*/ 1788319 w 5786914"/>
+              <a:gd name="connsiteY50" fmla="*/ 423862 h 3270299"/>
+              <a:gd name="connsiteX51" fmla="*/ 1943101 w 5786914"/>
+              <a:gd name="connsiteY51" fmla="*/ 260508 h 3270299"/>
+              <a:gd name="connsiteX52" fmla="*/ 1219201 w 5786914"/>
+              <a:gd name="connsiteY52" fmla="*/ 260508 h 3270299"/>
+              <a:gd name="connsiteX53" fmla="*/ 1310640 w 5786914"/>
+              <a:gd name="connsiteY53" fmla="*/ 260508 h 3270299"/>
+              <a:gd name="connsiteX54" fmla="*/ 1310640 w 5786914"/>
+              <a:gd name="connsiteY54" fmla="*/ 611981 h 3270299"/>
+              <a:gd name="connsiteX55" fmla="*/ 1374934 w 5786914"/>
+              <a:gd name="connsiteY55" fmla="*/ 679132 h 3270299"/>
+              <a:gd name="connsiteX56" fmla="*/ 1542574 w 5786914"/>
+              <a:gd name="connsiteY56" fmla="*/ 640171 h 3270299"/>
+              <a:gd name="connsiteX57" fmla="*/ 1542574 w 5786914"/>
+              <a:gd name="connsiteY57" fmla="*/ 260508 h 3270299"/>
+              <a:gd name="connsiteX58" fmla="*/ 1633538 w 5786914"/>
+              <a:gd name="connsiteY58" fmla="*/ 260508 h 3270299"/>
+              <a:gd name="connsiteX59" fmla="*/ 1633538 w 5786914"/>
+              <a:gd name="connsiteY59" fmla="*/ 749617 h 3270299"/>
+              <a:gd name="connsiteX60" fmla="*/ 1567339 w 5786914"/>
+              <a:gd name="connsiteY60" fmla="*/ 749617 h 3270299"/>
+              <a:gd name="connsiteX61" fmla="*/ 1547064 w 5786914"/>
+              <a:gd name="connsiteY61" fmla="*/ 697761 h 3270299"/>
+              <a:gd name="connsiteX62" fmla="*/ 1343025 w 5786914"/>
+              <a:gd name="connsiteY62" fmla="*/ 760571 h 3270299"/>
+              <a:gd name="connsiteX63" fmla="*/ 1219201 w 5786914"/>
+              <a:gd name="connsiteY63" fmla="*/ 634365 h 3270299"/>
+              <a:gd name="connsiteX64" fmla="*/ 1219201 w 5786914"/>
+              <a:gd name="connsiteY64" fmla="*/ 260508 h 3270299"/>
+              <a:gd name="connsiteX65" fmla="*/ 2696052 w 5786914"/>
+              <a:gd name="connsiteY65" fmla="*/ 249078 h 3270299"/>
+              <a:gd name="connsiteX66" fmla="*/ 2817019 w 5786914"/>
+              <a:gd name="connsiteY66" fmla="*/ 369570 h 3270299"/>
+              <a:gd name="connsiteX67" fmla="*/ 2818448 w 5786914"/>
+              <a:gd name="connsiteY67" fmla="*/ 451008 h 3270299"/>
+              <a:gd name="connsiteX68" fmla="*/ 2726532 w 5786914"/>
+              <a:gd name="connsiteY68" fmla="*/ 464820 h 3270299"/>
+              <a:gd name="connsiteX69" fmla="*/ 2726532 w 5786914"/>
+              <a:gd name="connsiteY69" fmla="*/ 396716 h 3270299"/>
+              <a:gd name="connsiteX70" fmla="*/ 2665572 w 5786914"/>
+              <a:gd name="connsiteY70" fmla="*/ 329565 h 3270299"/>
+              <a:gd name="connsiteX71" fmla="*/ 2491264 w 5786914"/>
+              <a:gd name="connsiteY71" fmla="*/ 371413 h 3270299"/>
+              <a:gd name="connsiteX72" fmla="*/ 2491264 w 5786914"/>
+              <a:gd name="connsiteY72" fmla="*/ 749617 h 3270299"/>
+              <a:gd name="connsiteX73" fmla="*/ 2400300 w 5786914"/>
+              <a:gd name="connsiteY73" fmla="*/ 749617 h 3270299"/>
+              <a:gd name="connsiteX74" fmla="*/ 2400300 w 5786914"/>
+              <a:gd name="connsiteY74" fmla="*/ 260508 h 3270299"/>
+              <a:gd name="connsiteX75" fmla="*/ 2466499 w 5786914"/>
+              <a:gd name="connsiteY75" fmla="*/ 260508 h 3270299"/>
+              <a:gd name="connsiteX76" fmla="*/ 2486487 w 5786914"/>
+              <a:gd name="connsiteY76" fmla="*/ 319319 h 3270299"/>
+              <a:gd name="connsiteX77" fmla="*/ 2696052 w 5786914"/>
+              <a:gd name="connsiteY77" fmla="*/ 249078 h 3270299"/>
+              <a:gd name="connsiteX78" fmla="*/ 3751898 w 5786914"/>
+              <a:gd name="connsiteY78" fmla="*/ 126682 h 3270299"/>
+              <a:gd name="connsiteX79" fmla="*/ 3751898 w 5786914"/>
+              <a:gd name="connsiteY79" fmla="*/ 306705 h 3270299"/>
+              <a:gd name="connsiteX80" fmla="*/ 4001453 w 5786914"/>
+              <a:gd name="connsiteY80" fmla="*/ 306705 h 3270299"/>
+              <a:gd name="connsiteX81" fmla="*/ 4001453 w 5786914"/>
+              <a:gd name="connsiteY81" fmla="*/ 379571 h 3270299"/>
+              <a:gd name="connsiteX82" fmla="*/ 3751898 w 5786914"/>
+              <a:gd name="connsiteY82" fmla="*/ 379571 h 3270299"/>
+              <a:gd name="connsiteX83" fmla="*/ 3751898 w 5786914"/>
+              <a:gd name="connsiteY83" fmla="*/ 580072 h 3270299"/>
+              <a:gd name="connsiteX84" fmla="*/ 3827622 w 5786914"/>
+              <a:gd name="connsiteY84" fmla="*/ 673893 h 3270299"/>
+              <a:gd name="connsiteX85" fmla="*/ 4001453 w 5786914"/>
+              <a:gd name="connsiteY85" fmla="*/ 673893 h 3270299"/>
+              <a:gd name="connsiteX86" fmla="*/ 4001453 w 5786914"/>
+              <a:gd name="connsiteY86" fmla="*/ 749617 h 3270299"/>
+              <a:gd name="connsiteX87" fmla="*/ 3782854 w 5786914"/>
+              <a:gd name="connsiteY87" fmla="*/ 749617 h 3270299"/>
+              <a:gd name="connsiteX88" fmla="*/ 3663315 w 5786914"/>
+              <a:gd name="connsiteY88" fmla="*/ 607695 h 3270299"/>
+              <a:gd name="connsiteX89" fmla="*/ 3663315 w 5786914"/>
+              <a:gd name="connsiteY89" fmla="*/ 379571 h 3270299"/>
+              <a:gd name="connsiteX90" fmla="*/ 3544729 w 5786914"/>
+              <a:gd name="connsiteY90" fmla="*/ 379571 h 3270299"/>
+              <a:gd name="connsiteX91" fmla="*/ 3544729 w 5786914"/>
+              <a:gd name="connsiteY91" fmla="*/ 306705 h 3270299"/>
+              <a:gd name="connsiteX92" fmla="*/ 3663315 w 5786914"/>
+              <a:gd name="connsiteY92" fmla="*/ 306705 h 3270299"/>
+              <a:gd name="connsiteX93" fmla="*/ 3663315 w 5786914"/>
+              <a:gd name="connsiteY93" fmla="*/ 142875 h 3270299"/>
+              <a:gd name="connsiteX94" fmla="*/ 3751898 w 5786914"/>
+              <a:gd name="connsiteY94" fmla="*/ 126682 h 3270299"/>
+              <a:gd name="connsiteX95" fmla="*/ 5358766 w 5786914"/>
+              <a:gd name="connsiteY95" fmla="*/ 54292 h 3270299"/>
+              <a:gd name="connsiteX96" fmla="*/ 5610702 w 5786914"/>
+              <a:gd name="connsiteY96" fmla="*/ 54292 h 3270299"/>
+              <a:gd name="connsiteX97" fmla="*/ 5754053 w 5786914"/>
+              <a:gd name="connsiteY97" fmla="*/ 154305 h 3270299"/>
+              <a:gd name="connsiteX98" fmla="*/ 5754053 w 5786914"/>
+              <a:gd name="connsiteY98" fmla="*/ 352901 h 3270299"/>
+              <a:gd name="connsiteX99" fmla="*/ 5438008 w 5786914"/>
+              <a:gd name="connsiteY99" fmla="*/ 671512 h 3270299"/>
+              <a:gd name="connsiteX100" fmla="*/ 5786914 w 5786914"/>
+              <a:gd name="connsiteY100" fmla="*/ 671512 h 3270299"/>
+              <a:gd name="connsiteX101" fmla="*/ 5786914 w 5786914"/>
+              <a:gd name="connsiteY101" fmla="*/ 749617 h 3270299"/>
+              <a:gd name="connsiteX102" fmla="*/ 5358766 w 5786914"/>
+              <a:gd name="connsiteY102" fmla="*/ 749617 h 3270299"/>
+              <a:gd name="connsiteX103" fmla="*/ 5333048 w 5786914"/>
+              <a:gd name="connsiteY103" fmla="*/ 657225 h 3270299"/>
+              <a:gd name="connsiteX104" fmla="*/ 5662613 w 5786914"/>
+              <a:gd name="connsiteY104" fmla="*/ 315753 h 3270299"/>
+              <a:gd name="connsiteX105" fmla="*/ 5662613 w 5786914"/>
+              <a:gd name="connsiteY105" fmla="*/ 200025 h 3270299"/>
+              <a:gd name="connsiteX106" fmla="*/ 5570697 w 5786914"/>
+              <a:gd name="connsiteY106" fmla="*/ 137160 h 3270299"/>
+              <a:gd name="connsiteX107" fmla="*/ 5346383 w 5786914"/>
+              <a:gd name="connsiteY107" fmla="*/ 137160 h 3270299"/>
+              <a:gd name="connsiteX108" fmla="*/ 5358766 w 5786914"/>
+              <a:gd name="connsiteY108" fmla="*/ 54292 h 3270299"/>
+              <a:gd name="connsiteX109" fmla="*/ 4942047 w 5786914"/>
+              <a:gd name="connsiteY109" fmla="*/ 54292 h 3270299"/>
+              <a:gd name="connsiteX110" fmla="*/ 5022057 w 5786914"/>
+              <a:gd name="connsiteY110" fmla="*/ 54292 h 3270299"/>
+              <a:gd name="connsiteX111" fmla="*/ 5022057 w 5786914"/>
+              <a:gd name="connsiteY111" fmla="*/ 671512 h 3270299"/>
+              <a:gd name="connsiteX112" fmla="*/ 5204937 w 5786914"/>
+              <a:gd name="connsiteY112" fmla="*/ 671512 h 3270299"/>
+              <a:gd name="connsiteX113" fmla="*/ 5204937 w 5786914"/>
+              <a:gd name="connsiteY113" fmla="*/ 749617 h 3270299"/>
+              <a:gd name="connsiteX114" fmla="*/ 5022057 w 5786914"/>
+              <a:gd name="connsiteY114" fmla="*/ 749617 h 3270299"/>
+              <a:gd name="connsiteX115" fmla="*/ 4929664 w 5786914"/>
+              <a:gd name="connsiteY115" fmla="*/ 749617 h 3270299"/>
+              <a:gd name="connsiteX116" fmla="*/ 4745356 w 5786914"/>
+              <a:gd name="connsiteY116" fmla="*/ 749617 h 3270299"/>
+              <a:gd name="connsiteX117" fmla="*/ 4745356 w 5786914"/>
+              <a:gd name="connsiteY117" fmla="*/ 671512 h 3270299"/>
+              <a:gd name="connsiteX118" fmla="*/ 4929664 w 5786914"/>
+              <a:gd name="connsiteY118" fmla="*/ 671512 h 3270299"/>
+              <a:gd name="connsiteX119" fmla="*/ 4929664 w 5786914"/>
+              <a:gd name="connsiteY119" fmla="*/ 141954 h 3270299"/>
+              <a:gd name="connsiteX120" fmla="*/ 4763929 w 5786914"/>
+              <a:gd name="connsiteY120" fmla="*/ 195738 h 3270299"/>
+              <a:gd name="connsiteX121" fmla="*/ 4763929 w 5786914"/>
+              <a:gd name="connsiteY121" fmla="*/ 113347 h 3270299"/>
+              <a:gd name="connsiteX122" fmla="*/ 4942047 w 5786914"/>
+              <a:gd name="connsiteY122" fmla="*/ 54292 h 3270299"/>
+              <a:gd name="connsiteX123" fmla="*/ 279083 w 5786914"/>
+              <a:gd name="connsiteY123" fmla="*/ 28575 h 3270299"/>
+              <a:gd name="connsiteX124" fmla="*/ 491491 w 5786914"/>
+              <a:gd name="connsiteY124" fmla="*/ 28575 h 3270299"/>
+              <a:gd name="connsiteX125" fmla="*/ 502444 w 5786914"/>
+              <a:gd name="connsiteY125" fmla="*/ 104298 h 3270299"/>
+              <a:gd name="connsiteX126" fmla="*/ 323850 w 5786914"/>
+              <a:gd name="connsiteY126" fmla="*/ 104298 h 3270299"/>
+              <a:gd name="connsiteX127" fmla="*/ 248127 w 5786914"/>
+              <a:gd name="connsiteY127" fmla="*/ 195262 h 3270299"/>
+              <a:gd name="connsiteX128" fmla="*/ 248127 w 5786914"/>
+              <a:gd name="connsiteY128" fmla="*/ 306705 h 3270299"/>
+              <a:gd name="connsiteX129" fmla="*/ 487680 w 5786914"/>
+              <a:gd name="connsiteY129" fmla="*/ 306705 h 3270299"/>
+              <a:gd name="connsiteX130" fmla="*/ 487680 w 5786914"/>
+              <a:gd name="connsiteY130" fmla="*/ 379571 h 3270299"/>
+              <a:gd name="connsiteX131" fmla="*/ 248127 w 5786914"/>
+              <a:gd name="connsiteY131" fmla="*/ 379571 h 3270299"/>
+              <a:gd name="connsiteX132" fmla="*/ 248127 w 5786914"/>
+              <a:gd name="connsiteY132" fmla="*/ 749617 h 3270299"/>
+              <a:gd name="connsiteX133" fmla="*/ 159544 w 5786914"/>
+              <a:gd name="connsiteY133" fmla="*/ 749617 h 3270299"/>
+              <a:gd name="connsiteX134" fmla="*/ 159544 w 5786914"/>
+              <a:gd name="connsiteY134" fmla="*/ 379571 h 3270299"/>
+              <a:gd name="connsiteX135" fmla="*/ 0 w 5786914"/>
+              <a:gd name="connsiteY135" fmla="*/ 379571 h 3270299"/>
+              <a:gd name="connsiteX136" fmla="*/ 0 w 5786914"/>
+              <a:gd name="connsiteY136" fmla="*/ 306705 h 3270299"/>
+              <a:gd name="connsiteX137" fmla="*/ 159544 w 5786914"/>
+              <a:gd name="connsiteY137" fmla="*/ 306705 h 3270299"/>
+              <a:gd name="connsiteX138" fmla="*/ 159544 w 5786914"/>
+              <a:gd name="connsiteY138" fmla="*/ 170973 h 3270299"/>
+              <a:gd name="connsiteX139" fmla="*/ 279083 w 5786914"/>
+              <a:gd name="connsiteY139" fmla="*/ 28575 h 3270299"/>
+              <a:gd name="connsiteX140" fmla="*/ 592456 w 5786914"/>
+              <a:gd name="connsiteY140" fmla="*/ 20955 h 3270299"/>
+              <a:gd name="connsiteX141" fmla="*/ 790575 w 5786914"/>
+              <a:gd name="connsiteY141" fmla="*/ 20955 h 3270299"/>
+              <a:gd name="connsiteX142" fmla="*/ 839153 w 5786914"/>
+              <a:gd name="connsiteY142" fmla="*/ 75723 h 3270299"/>
+              <a:gd name="connsiteX143" fmla="*/ 839153 w 5786914"/>
+              <a:gd name="connsiteY143" fmla="*/ 580072 h 3270299"/>
+              <a:gd name="connsiteX144" fmla="*/ 914877 w 5786914"/>
+              <a:gd name="connsiteY144" fmla="*/ 671036 h 3270299"/>
+              <a:gd name="connsiteX145" fmla="*/ 1067753 w 5786914"/>
+              <a:gd name="connsiteY145" fmla="*/ 671036 h 3270299"/>
+              <a:gd name="connsiteX146" fmla="*/ 1056799 w 5786914"/>
+              <a:gd name="connsiteY146" fmla="*/ 749617 h 3270299"/>
+              <a:gd name="connsiteX147" fmla="*/ 870109 w 5786914"/>
+              <a:gd name="connsiteY147" fmla="*/ 749617 h 3270299"/>
+              <a:gd name="connsiteX148" fmla="*/ 750571 w 5786914"/>
+              <a:gd name="connsiteY148" fmla="*/ 607695 h 3270299"/>
+              <a:gd name="connsiteX149" fmla="*/ 750571 w 5786914"/>
+              <a:gd name="connsiteY149" fmla="*/ 100012 h 3270299"/>
+              <a:gd name="connsiteX150" fmla="*/ 581502 w 5786914"/>
+              <a:gd name="connsiteY150" fmla="*/ 100012 h 3270299"/>
+              <a:gd name="connsiteX151" fmla="*/ 592456 w 5786914"/>
+              <a:gd name="connsiteY151" fmla="*/ 20955 h 3270299"/>
+              <a:gd name="connsiteX152" fmla="*/ 3217069 w 5786914"/>
+              <a:gd name="connsiteY152" fmla="*/ 0 h 3270299"/>
+              <a:gd name="connsiteX153" fmla="*/ 3295174 w 5786914"/>
+              <a:gd name="connsiteY153" fmla="*/ 74295 h 3270299"/>
+              <a:gd name="connsiteX154" fmla="*/ 3217069 w 5786914"/>
+              <a:gd name="connsiteY154" fmla="*/ 149066 h 3270299"/>
+              <a:gd name="connsiteX155" fmla="*/ 3138488 w 5786914"/>
+              <a:gd name="connsiteY155" fmla="*/ 74295 h 3270299"/>
+              <a:gd name="connsiteX156" fmla="*/ 3217069 w 5786914"/>
+              <a:gd name="connsiteY156" fmla="*/ 0 h 3270299"/>
+              <a:gd name="connsiteX0" fmla="*/ 34450 w 5786914"/>
+              <a:gd name="connsiteY0" fmla="*/ 3270299 h 3270299"/>
+              <a:gd name="connsiteX1" fmla="*/ 2014450 w 5786914"/>
+              <a:gd name="connsiteY1" fmla="*/ 3270299 h 3270299"/>
+              <a:gd name="connsiteX2" fmla="*/ 34450 w 5786914"/>
+              <a:gd name="connsiteY2" fmla="*/ 3270299 h 3270299"/>
+              <a:gd name="connsiteX3" fmla="*/ 1978343 w 5786914"/>
+              <a:gd name="connsiteY3" fmla="*/ 336232 h 3270299"/>
+              <a:gd name="connsiteX4" fmla="*/ 1873568 w 5786914"/>
+              <a:gd name="connsiteY4" fmla="*/ 446722 h 3270299"/>
+              <a:gd name="connsiteX5" fmla="*/ 1873568 w 5786914"/>
+              <a:gd name="connsiteY5" fmla="*/ 563403 h 3270299"/>
+              <a:gd name="connsiteX6" fmla="*/ 1978343 w 5786914"/>
+              <a:gd name="connsiteY6" fmla="*/ 673893 h 3270299"/>
+              <a:gd name="connsiteX7" fmla="*/ 2055019 w 5786914"/>
+              <a:gd name="connsiteY7" fmla="*/ 673893 h 3270299"/>
+              <a:gd name="connsiteX8" fmla="*/ 2160270 w 5786914"/>
+              <a:gd name="connsiteY8" fmla="*/ 563403 h 3270299"/>
+              <a:gd name="connsiteX9" fmla="*/ 2160270 w 5786914"/>
+              <a:gd name="connsiteY9" fmla="*/ 446722 h 3270299"/>
+              <a:gd name="connsiteX10" fmla="*/ 2055019 w 5786914"/>
+              <a:gd name="connsiteY10" fmla="*/ 336232 h 3270299"/>
+              <a:gd name="connsiteX11" fmla="*/ 1978343 w 5786914"/>
+              <a:gd name="connsiteY11" fmla="*/ 336232 h 3270299"/>
+              <a:gd name="connsiteX12" fmla="*/ 4335781 w 5786914"/>
+              <a:gd name="connsiteY12" fmla="*/ 328136 h 3270299"/>
+              <a:gd name="connsiteX13" fmla="*/ 4243864 w 5786914"/>
+              <a:gd name="connsiteY13" fmla="*/ 446722 h 3270299"/>
+              <a:gd name="connsiteX14" fmla="*/ 4243864 w 5786914"/>
+              <a:gd name="connsiteY14" fmla="*/ 458152 h 3270299"/>
+              <a:gd name="connsiteX15" fmla="*/ 4483894 w 5786914"/>
+              <a:gd name="connsiteY15" fmla="*/ 458152 h 3270299"/>
+              <a:gd name="connsiteX16" fmla="*/ 4521994 w 5786914"/>
+              <a:gd name="connsiteY16" fmla="*/ 423386 h 3270299"/>
+              <a:gd name="connsiteX17" fmla="*/ 4521994 w 5786914"/>
+              <a:gd name="connsiteY17" fmla="*/ 362902 h 3270299"/>
+              <a:gd name="connsiteX18" fmla="*/ 4482942 w 5786914"/>
+              <a:gd name="connsiteY18" fmla="*/ 328136 h 3270299"/>
+              <a:gd name="connsiteX19" fmla="*/ 4335781 w 5786914"/>
+              <a:gd name="connsiteY19" fmla="*/ 328136 h 3270299"/>
+              <a:gd name="connsiteX20" fmla="*/ 4297204 w 5786914"/>
+              <a:gd name="connsiteY20" fmla="*/ 260508 h 3270299"/>
+              <a:gd name="connsiteX21" fmla="*/ 4516279 w 5786914"/>
+              <a:gd name="connsiteY21" fmla="*/ 260508 h 3270299"/>
+              <a:gd name="connsiteX22" fmla="*/ 4597718 w 5786914"/>
+              <a:gd name="connsiteY22" fmla="*/ 342900 h 3270299"/>
+              <a:gd name="connsiteX23" fmla="*/ 4597718 w 5786914"/>
+              <a:gd name="connsiteY23" fmla="*/ 461962 h 3270299"/>
+              <a:gd name="connsiteX24" fmla="*/ 4537234 w 5786914"/>
+              <a:gd name="connsiteY24" fmla="*/ 519112 h 3270299"/>
+              <a:gd name="connsiteX25" fmla="*/ 4243864 w 5786914"/>
+              <a:gd name="connsiteY25" fmla="*/ 519112 h 3270299"/>
+              <a:gd name="connsiteX26" fmla="*/ 4243864 w 5786914"/>
+              <a:gd name="connsiteY26" fmla="*/ 566737 h 3270299"/>
+              <a:gd name="connsiteX27" fmla="*/ 4353402 w 5786914"/>
+              <a:gd name="connsiteY27" fmla="*/ 678656 h 3270299"/>
+              <a:gd name="connsiteX28" fmla="*/ 4576287 w 5786914"/>
+              <a:gd name="connsiteY28" fmla="*/ 678656 h 3270299"/>
+              <a:gd name="connsiteX29" fmla="*/ 4564857 w 5786914"/>
+              <a:gd name="connsiteY29" fmla="*/ 749617 h 3270299"/>
+              <a:gd name="connsiteX30" fmla="*/ 4313397 w 5786914"/>
+              <a:gd name="connsiteY30" fmla="*/ 749617 h 3270299"/>
+              <a:gd name="connsiteX31" fmla="*/ 4158616 w 5786914"/>
+              <a:gd name="connsiteY31" fmla="*/ 586263 h 3270299"/>
+              <a:gd name="connsiteX32" fmla="*/ 4158616 w 5786914"/>
+              <a:gd name="connsiteY32" fmla="*/ 423862 h 3270299"/>
+              <a:gd name="connsiteX33" fmla="*/ 4297204 w 5786914"/>
+              <a:gd name="connsiteY33" fmla="*/ 260508 h 3270299"/>
+              <a:gd name="connsiteX34" fmla="*/ 2996089 w 5786914"/>
+              <a:gd name="connsiteY34" fmla="*/ 260508 h 3270299"/>
+              <a:gd name="connsiteX35" fmla="*/ 3235167 w 5786914"/>
+              <a:gd name="connsiteY35" fmla="*/ 260508 h 3270299"/>
+              <a:gd name="connsiteX36" fmla="*/ 3283744 w 5786914"/>
+              <a:gd name="connsiteY36" fmla="*/ 315277 h 3270299"/>
+              <a:gd name="connsiteX37" fmla="*/ 3283744 w 5786914"/>
+              <a:gd name="connsiteY37" fmla="*/ 749617 h 3270299"/>
+              <a:gd name="connsiteX38" fmla="*/ 3192780 w 5786914"/>
+              <a:gd name="connsiteY38" fmla="*/ 749617 h 3270299"/>
+              <a:gd name="connsiteX39" fmla="*/ 3192780 w 5786914"/>
+              <a:gd name="connsiteY39" fmla="*/ 339090 h 3270299"/>
+              <a:gd name="connsiteX40" fmla="*/ 2984659 w 5786914"/>
+              <a:gd name="connsiteY40" fmla="*/ 339090 h 3270299"/>
+              <a:gd name="connsiteX41" fmla="*/ 2996089 w 5786914"/>
+              <a:gd name="connsiteY41" fmla="*/ 260508 h 3270299"/>
+              <a:gd name="connsiteX42" fmla="*/ 1943101 w 5786914"/>
+              <a:gd name="connsiteY42" fmla="*/ 260508 h 3270299"/>
+              <a:gd name="connsiteX43" fmla="*/ 2096929 w 5786914"/>
+              <a:gd name="connsiteY43" fmla="*/ 260508 h 3270299"/>
+              <a:gd name="connsiteX44" fmla="*/ 2245519 w 5786914"/>
+              <a:gd name="connsiteY44" fmla="*/ 423862 h 3270299"/>
+              <a:gd name="connsiteX45" fmla="*/ 2245519 w 5786914"/>
+              <a:gd name="connsiteY45" fmla="*/ 586263 h 3270299"/>
+              <a:gd name="connsiteX46" fmla="*/ 2090262 w 5786914"/>
+              <a:gd name="connsiteY46" fmla="*/ 749617 h 3270299"/>
+              <a:gd name="connsiteX47" fmla="*/ 1943101 w 5786914"/>
+              <a:gd name="connsiteY47" fmla="*/ 749617 h 3270299"/>
+              <a:gd name="connsiteX48" fmla="*/ 1788319 w 5786914"/>
+              <a:gd name="connsiteY48" fmla="*/ 586263 h 3270299"/>
+              <a:gd name="connsiteX49" fmla="*/ 1788319 w 5786914"/>
+              <a:gd name="connsiteY49" fmla="*/ 423862 h 3270299"/>
+              <a:gd name="connsiteX50" fmla="*/ 1943101 w 5786914"/>
+              <a:gd name="connsiteY50" fmla="*/ 260508 h 3270299"/>
+              <a:gd name="connsiteX51" fmla="*/ 1219201 w 5786914"/>
+              <a:gd name="connsiteY51" fmla="*/ 260508 h 3270299"/>
+              <a:gd name="connsiteX52" fmla="*/ 1310640 w 5786914"/>
+              <a:gd name="connsiteY52" fmla="*/ 260508 h 3270299"/>
+              <a:gd name="connsiteX53" fmla="*/ 1310640 w 5786914"/>
+              <a:gd name="connsiteY53" fmla="*/ 611981 h 3270299"/>
+              <a:gd name="connsiteX54" fmla="*/ 1374934 w 5786914"/>
+              <a:gd name="connsiteY54" fmla="*/ 679132 h 3270299"/>
+              <a:gd name="connsiteX55" fmla="*/ 1542574 w 5786914"/>
+              <a:gd name="connsiteY55" fmla="*/ 640171 h 3270299"/>
+              <a:gd name="connsiteX56" fmla="*/ 1542574 w 5786914"/>
+              <a:gd name="connsiteY56" fmla="*/ 260508 h 3270299"/>
+              <a:gd name="connsiteX57" fmla="*/ 1633538 w 5786914"/>
+              <a:gd name="connsiteY57" fmla="*/ 260508 h 3270299"/>
+              <a:gd name="connsiteX58" fmla="*/ 1633538 w 5786914"/>
+              <a:gd name="connsiteY58" fmla="*/ 749617 h 3270299"/>
+              <a:gd name="connsiteX59" fmla="*/ 1567339 w 5786914"/>
+              <a:gd name="connsiteY59" fmla="*/ 749617 h 3270299"/>
+              <a:gd name="connsiteX60" fmla="*/ 1547064 w 5786914"/>
+              <a:gd name="connsiteY60" fmla="*/ 697761 h 3270299"/>
+              <a:gd name="connsiteX61" fmla="*/ 1343025 w 5786914"/>
+              <a:gd name="connsiteY61" fmla="*/ 760571 h 3270299"/>
+              <a:gd name="connsiteX62" fmla="*/ 1219201 w 5786914"/>
+              <a:gd name="connsiteY62" fmla="*/ 634365 h 3270299"/>
+              <a:gd name="connsiteX63" fmla="*/ 1219201 w 5786914"/>
+              <a:gd name="connsiteY63" fmla="*/ 260508 h 3270299"/>
+              <a:gd name="connsiteX64" fmla="*/ 2696052 w 5786914"/>
+              <a:gd name="connsiteY64" fmla="*/ 249078 h 3270299"/>
+              <a:gd name="connsiteX65" fmla="*/ 2817019 w 5786914"/>
+              <a:gd name="connsiteY65" fmla="*/ 369570 h 3270299"/>
+              <a:gd name="connsiteX66" fmla="*/ 2818448 w 5786914"/>
+              <a:gd name="connsiteY66" fmla="*/ 451008 h 3270299"/>
+              <a:gd name="connsiteX67" fmla="*/ 2726532 w 5786914"/>
+              <a:gd name="connsiteY67" fmla="*/ 464820 h 3270299"/>
+              <a:gd name="connsiteX68" fmla="*/ 2726532 w 5786914"/>
+              <a:gd name="connsiteY68" fmla="*/ 396716 h 3270299"/>
+              <a:gd name="connsiteX69" fmla="*/ 2665572 w 5786914"/>
+              <a:gd name="connsiteY69" fmla="*/ 329565 h 3270299"/>
+              <a:gd name="connsiteX70" fmla="*/ 2491264 w 5786914"/>
+              <a:gd name="connsiteY70" fmla="*/ 371413 h 3270299"/>
+              <a:gd name="connsiteX71" fmla="*/ 2491264 w 5786914"/>
+              <a:gd name="connsiteY71" fmla="*/ 749617 h 3270299"/>
+              <a:gd name="connsiteX72" fmla="*/ 2400300 w 5786914"/>
+              <a:gd name="connsiteY72" fmla="*/ 749617 h 3270299"/>
+              <a:gd name="connsiteX73" fmla="*/ 2400300 w 5786914"/>
+              <a:gd name="connsiteY73" fmla="*/ 260508 h 3270299"/>
+              <a:gd name="connsiteX74" fmla="*/ 2466499 w 5786914"/>
+              <a:gd name="connsiteY74" fmla="*/ 260508 h 3270299"/>
+              <a:gd name="connsiteX75" fmla="*/ 2486487 w 5786914"/>
+              <a:gd name="connsiteY75" fmla="*/ 319319 h 3270299"/>
+              <a:gd name="connsiteX76" fmla="*/ 2696052 w 5786914"/>
+              <a:gd name="connsiteY76" fmla="*/ 249078 h 3270299"/>
+              <a:gd name="connsiteX77" fmla="*/ 3751898 w 5786914"/>
+              <a:gd name="connsiteY77" fmla="*/ 126682 h 3270299"/>
+              <a:gd name="connsiteX78" fmla="*/ 3751898 w 5786914"/>
+              <a:gd name="connsiteY78" fmla="*/ 306705 h 3270299"/>
+              <a:gd name="connsiteX79" fmla="*/ 4001453 w 5786914"/>
+              <a:gd name="connsiteY79" fmla="*/ 306705 h 3270299"/>
+              <a:gd name="connsiteX80" fmla="*/ 4001453 w 5786914"/>
+              <a:gd name="connsiteY80" fmla="*/ 379571 h 3270299"/>
+              <a:gd name="connsiteX81" fmla="*/ 3751898 w 5786914"/>
+              <a:gd name="connsiteY81" fmla="*/ 379571 h 3270299"/>
+              <a:gd name="connsiteX82" fmla="*/ 3751898 w 5786914"/>
+              <a:gd name="connsiteY82" fmla="*/ 580072 h 3270299"/>
+              <a:gd name="connsiteX83" fmla="*/ 3827622 w 5786914"/>
+              <a:gd name="connsiteY83" fmla="*/ 673893 h 3270299"/>
+              <a:gd name="connsiteX84" fmla="*/ 4001453 w 5786914"/>
+              <a:gd name="connsiteY84" fmla="*/ 673893 h 3270299"/>
+              <a:gd name="connsiteX85" fmla="*/ 4001453 w 5786914"/>
+              <a:gd name="connsiteY85" fmla="*/ 749617 h 3270299"/>
+              <a:gd name="connsiteX86" fmla="*/ 3782854 w 5786914"/>
+              <a:gd name="connsiteY86" fmla="*/ 749617 h 3270299"/>
+              <a:gd name="connsiteX87" fmla="*/ 3663315 w 5786914"/>
+              <a:gd name="connsiteY87" fmla="*/ 607695 h 3270299"/>
+              <a:gd name="connsiteX88" fmla="*/ 3663315 w 5786914"/>
+              <a:gd name="connsiteY88" fmla="*/ 379571 h 3270299"/>
+              <a:gd name="connsiteX89" fmla="*/ 3544729 w 5786914"/>
+              <a:gd name="connsiteY89" fmla="*/ 379571 h 3270299"/>
+              <a:gd name="connsiteX90" fmla="*/ 3544729 w 5786914"/>
+              <a:gd name="connsiteY90" fmla="*/ 306705 h 3270299"/>
+              <a:gd name="connsiteX91" fmla="*/ 3663315 w 5786914"/>
+              <a:gd name="connsiteY91" fmla="*/ 306705 h 3270299"/>
+              <a:gd name="connsiteX92" fmla="*/ 3663315 w 5786914"/>
+              <a:gd name="connsiteY92" fmla="*/ 142875 h 3270299"/>
+              <a:gd name="connsiteX93" fmla="*/ 3751898 w 5786914"/>
+              <a:gd name="connsiteY93" fmla="*/ 126682 h 3270299"/>
+              <a:gd name="connsiteX94" fmla="*/ 5358766 w 5786914"/>
+              <a:gd name="connsiteY94" fmla="*/ 54292 h 3270299"/>
+              <a:gd name="connsiteX95" fmla="*/ 5610702 w 5786914"/>
+              <a:gd name="connsiteY95" fmla="*/ 54292 h 3270299"/>
+              <a:gd name="connsiteX96" fmla="*/ 5754053 w 5786914"/>
+              <a:gd name="connsiteY96" fmla="*/ 154305 h 3270299"/>
+              <a:gd name="connsiteX97" fmla="*/ 5754053 w 5786914"/>
+              <a:gd name="connsiteY97" fmla="*/ 352901 h 3270299"/>
+              <a:gd name="connsiteX98" fmla="*/ 5438008 w 5786914"/>
+              <a:gd name="connsiteY98" fmla="*/ 671512 h 3270299"/>
+              <a:gd name="connsiteX99" fmla="*/ 5786914 w 5786914"/>
+              <a:gd name="connsiteY99" fmla="*/ 671512 h 3270299"/>
+              <a:gd name="connsiteX100" fmla="*/ 5786914 w 5786914"/>
+              <a:gd name="connsiteY100" fmla="*/ 749617 h 3270299"/>
+              <a:gd name="connsiteX101" fmla="*/ 5358766 w 5786914"/>
+              <a:gd name="connsiteY101" fmla="*/ 749617 h 3270299"/>
+              <a:gd name="connsiteX102" fmla="*/ 5333048 w 5786914"/>
+              <a:gd name="connsiteY102" fmla="*/ 657225 h 3270299"/>
+              <a:gd name="connsiteX103" fmla="*/ 5662613 w 5786914"/>
+              <a:gd name="connsiteY103" fmla="*/ 315753 h 3270299"/>
+              <a:gd name="connsiteX104" fmla="*/ 5662613 w 5786914"/>
+              <a:gd name="connsiteY104" fmla="*/ 200025 h 3270299"/>
+              <a:gd name="connsiteX105" fmla="*/ 5570697 w 5786914"/>
+              <a:gd name="connsiteY105" fmla="*/ 137160 h 3270299"/>
+              <a:gd name="connsiteX106" fmla="*/ 5346383 w 5786914"/>
+              <a:gd name="connsiteY106" fmla="*/ 137160 h 3270299"/>
+              <a:gd name="connsiteX107" fmla="*/ 5358766 w 5786914"/>
+              <a:gd name="connsiteY107" fmla="*/ 54292 h 3270299"/>
+              <a:gd name="connsiteX108" fmla="*/ 4942047 w 5786914"/>
+              <a:gd name="connsiteY108" fmla="*/ 54292 h 3270299"/>
+              <a:gd name="connsiteX109" fmla="*/ 5022057 w 5786914"/>
+              <a:gd name="connsiteY109" fmla="*/ 54292 h 3270299"/>
+              <a:gd name="connsiteX110" fmla="*/ 5022057 w 5786914"/>
+              <a:gd name="connsiteY110" fmla="*/ 671512 h 3270299"/>
+              <a:gd name="connsiteX111" fmla="*/ 5204937 w 5786914"/>
+              <a:gd name="connsiteY111" fmla="*/ 671512 h 3270299"/>
+              <a:gd name="connsiteX112" fmla="*/ 5204937 w 5786914"/>
+              <a:gd name="connsiteY112" fmla="*/ 749617 h 3270299"/>
+              <a:gd name="connsiteX113" fmla="*/ 5022057 w 5786914"/>
+              <a:gd name="connsiteY113" fmla="*/ 749617 h 3270299"/>
+              <a:gd name="connsiteX114" fmla="*/ 4929664 w 5786914"/>
+              <a:gd name="connsiteY114" fmla="*/ 749617 h 3270299"/>
+              <a:gd name="connsiteX115" fmla="*/ 4745356 w 5786914"/>
+              <a:gd name="connsiteY115" fmla="*/ 749617 h 3270299"/>
+              <a:gd name="connsiteX116" fmla="*/ 4745356 w 5786914"/>
+              <a:gd name="connsiteY116" fmla="*/ 671512 h 3270299"/>
+              <a:gd name="connsiteX117" fmla="*/ 4929664 w 5786914"/>
+              <a:gd name="connsiteY117" fmla="*/ 671512 h 3270299"/>
+              <a:gd name="connsiteX118" fmla="*/ 4929664 w 5786914"/>
+              <a:gd name="connsiteY118" fmla="*/ 141954 h 3270299"/>
+              <a:gd name="connsiteX119" fmla="*/ 4763929 w 5786914"/>
+              <a:gd name="connsiteY119" fmla="*/ 195738 h 3270299"/>
+              <a:gd name="connsiteX120" fmla="*/ 4763929 w 5786914"/>
+              <a:gd name="connsiteY120" fmla="*/ 113347 h 3270299"/>
+              <a:gd name="connsiteX121" fmla="*/ 4942047 w 5786914"/>
+              <a:gd name="connsiteY121" fmla="*/ 54292 h 3270299"/>
+              <a:gd name="connsiteX122" fmla="*/ 279083 w 5786914"/>
+              <a:gd name="connsiteY122" fmla="*/ 28575 h 3270299"/>
+              <a:gd name="connsiteX123" fmla="*/ 491491 w 5786914"/>
+              <a:gd name="connsiteY123" fmla="*/ 28575 h 3270299"/>
+              <a:gd name="connsiteX124" fmla="*/ 502444 w 5786914"/>
+              <a:gd name="connsiteY124" fmla="*/ 104298 h 3270299"/>
+              <a:gd name="connsiteX125" fmla="*/ 323850 w 5786914"/>
+              <a:gd name="connsiteY125" fmla="*/ 104298 h 3270299"/>
+              <a:gd name="connsiteX126" fmla="*/ 248127 w 5786914"/>
+              <a:gd name="connsiteY126" fmla="*/ 195262 h 3270299"/>
+              <a:gd name="connsiteX127" fmla="*/ 248127 w 5786914"/>
+              <a:gd name="connsiteY127" fmla="*/ 306705 h 3270299"/>
+              <a:gd name="connsiteX128" fmla="*/ 487680 w 5786914"/>
+              <a:gd name="connsiteY128" fmla="*/ 306705 h 3270299"/>
+              <a:gd name="connsiteX129" fmla="*/ 487680 w 5786914"/>
+              <a:gd name="connsiteY129" fmla="*/ 379571 h 3270299"/>
+              <a:gd name="connsiteX130" fmla="*/ 248127 w 5786914"/>
+              <a:gd name="connsiteY130" fmla="*/ 379571 h 3270299"/>
+              <a:gd name="connsiteX131" fmla="*/ 248127 w 5786914"/>
+              <a:gd name="connsiteY131" fmla="*/ 749617 h 3270299"/>
+              <a:gd name="connsiteX132" fmla="*/ 159544 w 5786914"/>
+              <a:gd name="connsiteY132" fmla="*/ 749617 h 3270299"/>
+              <a:gd name="connsiteX133" fmla="*/ 159544 w 5786914"/>
+              <a:gd name="connsiteY133" fmla="*/ 379571 h 3270299"/>
+              <a:gd name="connsiteX134" fmla="*/ 0 w 5786914"/>
+              <a:gd name="connsiteY134" fmla="*/ 379571 h 3270299"/>
+              <a:gd name="connsiteX135" fmla="*/ 0 w 5786914"/>
+              <a:gd name="connsiteY135" fmla="*/ 306705 h 3270299"/>
+              <a:gd name="connsiteX136" fmla="*/ 159544 w 5786914"/>
+              <a:gd name="connsiteY136" fmla="*/ 306705 h 3270299"/>
+              <a:gd name="connsiteX137" fmla="*/ 159544 w 5786914"/>
+              <a:gd name="connsiteY137" fmla="*/ 170973 h 3270299"/>
+              <a:gd name="connsiteX138" fmla="*/ 279083 w 5786914"/>
+              <a:gd name="connsiteY138" fmla="*/ 28575 h 3270299"/>
+              <a:gd name="connsiteX139" fmla="*/ 592456 w 5786914"/>
+              <a:gd name="connsiteY139" fmla="*/ 20955 h 3270299"/>
+              <a:gd name="connsiteX140" fmla="*/ 790575 w 5786914"/>
+              <a:gd name="connsiteY140" fmla="*/ 20955 h 3270299"/>
+              <a:gd name="connsiteX141" fmla="*/ 839153 w 5786914"/>
+              <a:gd name="connsiteY141" fmla="*/ 75723 h 3270299"/>
+              <a:gd name="connsiteX142" fmla="*/ 839153 w 5786914"/>
+              <a:gd name="connsiteY142" fmla="*/ 580072 h 3270299"/>
+              <a:gd name="connsiteX143" fmla="*/ 914877 w 5786914"/>
+              <a:gd name="connsiteY143" fmla="*/ 671036 h 3270299"/>
+              <a:gd name="connsiteX144" fmla="*/ 1067753 w 5786914"/>
+              <a:gd name="connsiteY144" fmla="*/ 671036 h 3270299"/>
+              <a:gd name="connsiteX145" fmla="*/ 1056799 w 5786914"/>
+              <a:gd name="connsiteY145" fmla="*/ 749617 h 3270299"/>
+              <a:gd name="connsiteX146" fmla="*/ 870109 w 5786914"/>
+              <a:gd name="connsiteY146" fmla="*/ 749617 h 3270299"/>
+              <a:gd name="connsiteX147" fmla="*/ 750571 w 5786914"/>
+              <a:gd name="connsiteY147" fmla="*/ 607695 h 3270299"/>
+              <a:gd name="connsiteX148" fmla="*/ 750571 w 5786914"/>
+              <a:gd name="connsiteY148" fmla="*/ 100012 h 3270299"/>
+              <a:gd name="connsiteX149" fmla="*/ 581502 w 5786914"/>
+              <a:gd name="connsiteY149" fmla="*/ 100012 h 3270299"/>
+              <a:gd name="connsiteX150" fmla="*/ 592456 w 5786914"/>
+              <a:gd name="connsiteY150" fmla="*/ 20955 h 3270299"/>
+              <a:gd name="connsiteX151" fmla="*/ 3217069 w 5786914"/>
+              <a:gd name="connsiteY151" fmla="*/ 0 h 3270299"/>
+              <a:gd name="connsiteX152" fmla="*/ 3295174 w 5786914"/>
+              <a:gd name="connsiteY152" fmla="*/ 74295 h 3270299"/>
+              <a:gd name="connsiteX153" fmla="*/ 3217069 w 5786914"/>
+              <a:gd name="connsiteY153" fmla="*/ 149066 h 3270299"/>
+              <a:gd name="connsiteX154" fmla="*/ 3138488 w 5786914"/>
+              <a:gd name="connsiteY154" fmla="*/ 74295 h 3270299"/>
+              <a:gd name="connsiteX155" fmla="*/ 3217069 w 5786914"/>
+              <a:gd name="connsiteY155" fmla="*/ 0 h 3270299"/>
+              <a:gd name="connsiteX0" fmla="*/ 1978343 w 5786914"/>
+              <a:gd name="connsiteY0" fmla="*/ 336232 h 760571"/>
+              <a:gd name="connsiteX1" fmla="*/ 1873568 w 5786914"/>
+              <a:gd name="connsiteY1" fmla="*/ 446722 h 760571"/>
+              <a:gd name="connsiteX2" fmla="*/ 1873568 w 5786914"/>
+              <a:gd name="connsiteY2" fmla="*/ 563403 h 760571"/>
+              <a:gd name="connsiteX3" fmla="*/ 1978343 w 5786914"/>
+              <a:gd name="connsiteY3" fmla="*/ 673893 h 760571"/>
+              <a:gd name="connsiteX4" fmla="*/ 2055019 w 5786914"/>
+              <a:gd name="connsiteY4" fmla="*/ 673893 h 760571"/>
+              <a:gd name="connsiteX5" fmla="*/ 2160270 w 5786914"/>
+              <a:gd name="connsiteY5" fmla="*/ 563403 h 760571"/>
+              <a:gd name="connsiteX6" fmla="*/ 2160270 w 5786914"/>
+              <a:gd name="connsiteY6" fmla="*/ 446722 h 760571"/>
+              <a:gd name="connsiteX7" fmla="*/ 2055019 w 5786914"/>
+              <a:gd name="connsiteY7" fmla="*/ 336232 h 760571"/>
+              <a:gd name="connsiteX8" fmla="*/ 1978343 w 5786914"/>
+              <a:gd name="connsiteY8" fmla="*/ 336232 h 760571"/>
+              <a:gd name="connsiteX9" fmla="*/ 4335781 w 5786914"/>
+              <a:gd name="connsiteY9" fmla="*/ 328136 h 760571"/>
+              <a:gd name="connsiteX10" fmla="*/ 4243864 w 5786914"/>
+              <a:gd name="connsiteY10" fmla="*/ 446722 h 760571"/>
+              <a:gd name="connsiteX11" fmla="*/ 4243864 w 5786914"/>
+              <a:gd name="connsiteY11" fmla="*/ 458152 h 760571"/>
+              <a:gd name="connsiteX12" fmla="*/ 4483894 w 5786914"/>
+              <a:gd name="connsiteY12" fmla="*/ 458152 h 760571"/>
+              <a:gd name="connsiteX13" fmla="*/ 4521994 w 5786914"/>
+              <a:gd name="connsiteY13" fmla="*/ 423386 h 760571"/>
+              <a:gd name="connsiteX14" fmla="*/ 4521994 w 5786914"/>
+              <a:gd name="connsiteY14" fmla="*/ 362902 h 760571"/>
+              <a:gd name="connsiteX15" fmla="*/ 4482942 w 5786914"/>
+              <a:gd name="connsiteY15" fmla="*/ 328136 h 760571"/>
+              <a:gd name="connsiteX16" fmla="*/ 4335781 w 5786914"/>
+              <a:gd name="connsiteY16" fmla="*/ 328136 h 760571"/>
+              <a:gd name="connsiteX17" fmla="*/ 4297204 w 5786914"/>
+              <a:gd name="connsiteY17" fmla="*/ 260508 h 760571"/>
+              <a:gd name="connsiteX18" fmla="*/ 4516279 w 5786914"/>
+              <a:gd name="connsiteY18" fmla="*/ 260508 h 760571"/>
+              <a:gd name="connsiteX19" fmla="*/ 4597718 w 5786914"/>
+              <a:gd name="connsiteY19" fmla="*/ 342900 h 760571"/>
+              <a:gd name="connsiteX20" fmla="*/ 4597718 w 5786914"/>
+              <a:gd name="connsiteY20" fmla="*/ 461962 h 760571"/>
+              <a:gd name="connsiteX21" fmla="*/ 4537234 w 5786914"/>
+              <a:gd name="connsiteY21" fmla="*/ 519112 h 760571"/>
+              <a:gd name="connsiteX22" fmla="*/ 4243864 w 5786914"/>
+              <a:gd name="connsiteY22" fmla="*/ 519112 h 760571"/>
+              <a:gd name="connsiteX23" fmla="*/ 4243864 w 5786914"/>
+              <a:gd name="connsiteY23" fmla="*/ 566737 h 760571"/>
+              <a:gd name="connsiteX24" fmla="*/ 4353402 w 5786914"/>
+              <a:gd name="connsiteY24" fmla="*/ 678656 h 760571"/>
+              <a:gd name="connsiteX25" fmla="*/ 4576287 w 5786914"/>
+              <a:gd name="connsiteY25" fmla="*/ 678656 h 760571"/>
+              <a:gd name="connsiteX26" fmla="*/ 4564857 w 5786914"/>
+              <a:gd name="connsiteY26" fmla="*/ 749617 h 760571"/>
+              <a:gd name="connsiteX27" fmla="*/ 4313397 w 5786914"/>
+              <a:gd name="connsiteY27" fmla="*/ 749617 h 760571"/>
+              <a:gd name="connsiteX28" fmla="*/ 4158616 w 5786914"/>
+              <a:gd name="connsiteY28" fmla="*/ 586263 h 760571"/>
+              <a:gd name="connsiteX29" fmla="*/ 4158616 w 5786914"/>
+              <a:gd name="connsiteY29" fmla="*/ 423862 h 760571"/>
+              <a:gd name="connsiteX30" fmla="*/ 4297204 w 5786914"/>
+              <a:gd name="connsiteY30" fmla="*/ 260508 h 760571"/>
+              <a:gd name="connsiteX31" fmla="*/ 2996089 w 5786914"/>
+              <a:gd name="connsiteY31" fmla="*/ 260508 h 760571"/>
+              <a:gd name="connsiteX32" fmla="*/ 3235167 w 5786914"/>
+              <a:gd name="connsiteY32" fmla="*/ 260508 h 760571"/>
+              <a:gd name="connsiteX33" fmla="*/ 3283744 w 5786914"/>
+              <a:gd name="connsiteY33" fmla="*/ 315277 h 760571"/>
+              <a:gd name="connsiteX34" fmla="*/ 3283744 w 5786914"/>
+              <a:gd name="connsiteY34" fmla="*/ 749617 h 760571"/>
+              <a:gd name="connsiteX35" fmla="*/ 3192780 w 5786914"/>
+              <a:gd name="connsiteY35" fmla="*/ 749617 h 760571"/>
+              <a:gd name="connsiteX36" fmla="*/ 3192780 w 5786914"/>
+              <a:gd name="connsiteY36" fmla="*/ 339090 h 760571"/>
+              <a:gd name="connsiteX37" fmla="*/ 2984659 w 5786914"/>
+              <a:gd name="connsiteY37" fmla="*/ 339090 h 760571"/>
+              <a:gd name="connsiteX38" fmla="*/ 2996089 w 5786914"/>
+              <a:gd name="connsiteY38" fmla="*/ 260508 h 760571"/>
+              <a:gd name="connsiteX39" fmla="*/ 1943101 w 5786914"/>
+              <a:gd name="connsiteY39" fmla="*/ 260508 h 760571"/>
+              <a:gd name="connsiteX40" fmla="*/ 2096929 w 5786914"/>
+              <a:gd name="connsiteY40" fmla="*/ 260508 h 760571"/>
+              <a:gd name="connsiteX41" fmla="*/ 2245519 w 5786914"/>
+              <a:gd name="connsiteY41" fmla="*/ 423862 h 760571"/>
+              <a:gd name="connsiteX42" fmla="*/ 2245519 w 5786914"/>
+              <a:gd name="connsiteY42" fmla="*/ 586263 h 760571"/>
+              <a:gd name="connsiteX43" fmla="*/ 2090262 w 5786914"/>
+              <a:gd name="connsiteY43" fmla="*/ 749617 h 760571"/>
+              <a:gd name="connsiteX44" fmla="*/ 1943101 w 5786914"/>
+              <a:gd name="connsiteY44" fmla="*/ 749617 h 760571"/>
+              <a:gd name="connsiteX45" fmla="*/ 1788319 w 5786914"/>
+              <a:gd name="connsiteY45" fmla="*/ 586263 h 760571"/>
+              <a:gd name="connsiteX46" fmla="*/ 1788319 w 5786914"/>
+              <a:gd name="connsiteY46" fmla="*/ 423862 h 760571"/>
+              <a:gd name="connsiteX47" fmla="*/ 1943101 w 5786914"/>
+              <a:gd name="connsiteY47" fmla="*/ 260508 h 760571"/>
+              <a:gd name="connsiteX48" fmla="*/ 1219201 w 5786914"/>
+              <a:gd name="connsiteY48" fmla="*/ 260508 h 760571"/>
+              <a:gd name="connsiteX49" fmla="*/ 1310640 w 5786914"/>
+              <a:gd name="connsiteY49" fmla="*/ 260508 h 760571"/>
+              <a:gd name="connsiteX50" fmla="*/ 1310640 w 5786914"/>
+              <a:gd name="connsiteY50" fmla="*/ 611981 h 760571"/>
+              <a:gd name="connsiteX51" fmla="*/ 1374934 w 5786914"/>
+              <a:gd name="connsiteY51" fmla="*/ 679132 h 760571"/>
+              <a:gd name="connsiteX52" fmla="*/ 1542574 w 5786914"/>
+              <a:gd name="connsiteY52" fmla="*/ 640171 h 760571"/>
+              <a:gd name="connsiteX53" fmla="*/ 1542574 w 5786914"/>
+              <a:gd name="connsiteY53" fmla="*/ 260508 h 760571"/>
+              <a:gd name="connsiteX54" fmla="*/ 1633538 w 5786914"/>
+              <a:gd name="connsiteY54" fmla="*/ 260508 h 760571"/>
+              <a:gd name="connsiteX55" fmla="*/ 1633538 w 5786914"/>
+              <a:gd name="connsiteY55" fmla="*/ 749617 h 760571"/>
+              <a:gd name="connsiteX56" fmla="*/ 1567339 w 5786914"/>
+              <a:gd name="connsiteY56" fmla="*/ 749617 h 760571"/>
+              <a:gd name="connsiteX57" fmla="*/ 1547064 w 5786914"/>
+              <a:gd name="connsiteY57" fmla="*/ 697761 h 760571"/>
+              <a:gd name="connsiteX58" fmla="*/ 1343025 w 5786914"/>
+              <a:gd name="connsiteY58" fmla="*/ 760571 h 760571"/>
+              <a:gd name="connsiteX59" fmla="*/ 1219201 w 5786914"/>
+              <a:gd name="connsiteY59" fmla="*/ 634365 h 760571"/>
+              <a:gd name="connsiteX60" fmla="*/ 1219201 w 5786914"/>
+              <a:gd name="connsiteY60" fmla="*/ 260508 h 760571"/>
+              <a:gd name="connsiteX61" fmla="*/ 2696052 w 5786914"/>
+              <a:gd name="connsiteY61" fmla="*/ 249078 h 760571"/>
+              <a:gd name="connsiteX62" fmla="*/ 2817019 w 5786914"/>
+              <a:gd name="connsiteY62" fmla="*/ 369570 h 760571"/>
+              <a:gd name="connsiteX63" fmla="*/ 2818448 w 5786914"/>
+              <a:gd name="connsiteY63" fmla="*/ 451008 h 760571"/>
+              <a:gd name="connsiteX64" fmla="*/ 2726532 w 5786914"/>
+              <a:gd name="connsiteY64" fmla="*/ 464820 h 760571"/>
+              <a:gd name="connsiteX65" fmla="*/ 2726532 w 5786914"/>
+              <a:gd name="connsiteY65" fmla="*/ 396716 h 760571"/>
+              <a:gd name="connsiteX66" fmla="*/ 2665572 w 5786914"/>
+              <a:gd name="connsiteY66" fmla="*/ 329565 h 760571"/>
+              <a:gd name="connsiteX67" fmla="*/ 2491264 w 5786914"/>
+              <a:gd name="connsiteY67" fmla="*/ 371413 h 760571"/>
+              <a:gd name="connsiteX68" fmla="*/ 2491264 w 5786914"/>
+              <a:gd name="connsiteY68" fmla="*/ 749617 h 760571"/>
+              <a:gd name="connsiteX69" fmla="*/ 2400300 w 5786914"/>
+              <a:gd name="connsiteY69" fmla="*/ 749617 h 760571"/>
+              <a:gd name="connsiteX70" fmla="*/ 2400300 w 5786914"/>
+              <a:gd name="connsiteY70" fmla="*/ 260508 h 760571"/>
+              <a:gd name="connsiteX71" fmla="*/ 2466499 w 5786914"/>
+              <a:gd name="connsiteY71" fmla="*/ 260508 h 760571"/>
+              <a:gd name="connsiteX72" fmla="*/ 2486487 w 5786914"/>
+              <a:gd name="connsiteY72" fmla="*/ 319319 h 760571"/>
+              <a:gd name="connsiteX73" fmla="*/ 2696052 w 5786914"/>
+              <a:gd name="connsiteY73" fmla="*/ 249078 h 760571"/>
+              <a:gd name="connsiteX74" fmla="*/ 3751898 w 5786914"/>
+              <a:gd name="connsiteY74" fmla="*/ 126682 h 760571"/>
+              <a:gd name="connsiteX75" fmla="*/ 3751898 w 5786914"/>
+              <a:gd name="connsiteY75" fmla="*/ 306705 h 760571"/>
+              <a:gd name="connsiteX76" fmla="*/ 4001453 w 5786914"/>
+              <a:gd name="connsiteY76" fmla="*/ 306705 h 760571"/>
+              <a:gd name="connsiteX77" fmla="*/ 4001453 w 5786914"/>
+              <a:gd name="connsiteY77" fmla="*/ 379571 h 760571"/>
+              <a:gd name="connsiteX78" fmla="*/ 3751898 w 5786914"/>
+              <a:gd name="connsiteY78" fmla="*/ 379571 h 760571"/>
+              <a:gd name="connsiteX79" fmla="*/ 3751898 w 5786914"/>
+              <a:gd name="connsiteY79" fmla="*/ 580072 h 760571"/>
+              <a:gd name="connsiteX80" fmla="*/ 3827622 w 5786914"/>
+              <a:gd name="connsiteY80" fmla="*/ 673893 h 760571"/>
+              <a:gd name="connsiteX81" fmla="*/ 4001453 w 5786914"/>
+              <a:gd name="connsiteY81" fmla="*/ 673893 h 760571"/>
+              <a:gd name="connsiteX82" fmla="*/ 4001453 w 5786914"/>
+              <a:gd name="connsiteY82" fmla="*/ 749617 h 760571"/>
+              <a:gd name="connsiteX83" fmla="*/ 3782854 w 5786914"/>
+              <a:gd name="connsiteY83" fmla="*/ 749617 h 760571"/>
+              <a:gd name="connsiteX84" fmla="*/ 3663315 w 5786914"/>
+              <a:gd name="connsiteY84" fmla="*/ 607695 h 760571"/>
+              <a:gd name="connsiteX85" fmla="*/ 3663315 w 5786914"/>
+              <a:gd name="connsiteY85" fmla="*/ 379571 h 760571"/>
+              <a:gd name="connsiteX86" fmla="*/ 3544729 w 5786914"/>
+              <a:gd name="connsiteY86" fmla="*/ 379571 h 760571"/>
+              <a:gd name="connsiteX87" fmla="*/ 3544729 w 5786914"/>
+              <a:gd name="connsiteY87" fmla="*/ 306705 h 760571"/>
+              <a:gd name="connsiteX88" fmla="*/ 3663315 w 5786914"/>
+              <a:gd name="connsiteY88" fmla="*/ 306705 h 760571"/>
+              <a:gd name="connsiteX89" fmla="*/ 3663315 w 5786914"/>
+              <a:gd name="connsiteY89" fmla="*/ 142875 h 760571"/>
+              <a:gd name="connsiteX90" fmla="*/ 3751898 w 5786914"/>
+              <a:gd name="connsiteY90" fmla="*/ 126682 h 760571"/>
+              <a:gd name="connsiteX91" fmla="*/ 5358766 w 5786914"/>
+              <a:gd name="connsiteY91" fmla="*/ 54292 h 760571"/>
+              <a:gd name="connsiteX92" fmla="*/ 5610702 w 5786914"/>
+              <a:gd name="connsiteY92" fmla="*/ 54292 h 760571"/>
+              <a:gd name="connsiteX93" fmla="*/ 5754053 w 5786914"/>
+              <a:gd name="connsiteY93" fmla="*/ 154305 h 760571"/>
+              <a:gd name="connsiteX94" fmla="*/ 5754053 w 5786914"/>
+              <a:gd name="connsiteY94" fmla="*/ 352901 h 760571"/>
+              <a:gd name="connsiteX95" fmla="*/ 5438008 w 5786914"/>
+              <a:gd name="connsiteY95" fmla="*/ 671512 h 760571"/>
+              <a:gd name="connsiteX96" fmla="*/ 5786914 w 5786914"/>
+              <a:gd name="connsiteY96" fmla="*/ 671512 h 760571"/>
+              <a:gd name="connsiteX97" fmla="*/ 5786914 w 5786914"/>
+              <a:gd name="connsiteY97" fmla="*/ 749617 h 760571"/>
+              <a:gd name="connsiteX98" fmla="*/ 5358766 w 5786914"/>
+              <a:gd name="connsiteY98" fmla="*/ 749617 h 760571"/>
+              <a:gd name="connsiteX99" fmla="*/ 5333048 w 5786914"/>
+              <a:gd name="connsiteY99" fmla="*/ 657225 h 760571"/>
+              <a:gd name="connsiteX100" fmla="*/ 5662613 w 5786914"/>
+              <a:gd name="connsiteY100" fmla="*/ 315753 h 760571"/>
+              <a:gd name="connsiteX101" fmla="*/ 5662613 w 5786914"/>
+              <a:gd name="connsiteY101" fmla="*/ 200025 h 760571"/>
+              <a:gd name="connsiteX102" fmla="*/ 5570697 w 5786914"/>
+              <a:gd name="connsiteY102" fmla="*/ 137160 h 760571"/>
+              <a:gd name="connsiteX103" fmla="*/ 5346383 w 5786914"/>
+              <a:gd name="connsiteY103" fmla="*/ 137160 h 760571"/>
+              <a:gd name="connsiteX104" fmla="*/ 5358766 w 5786914"/>
+              <a:gd name="connsiteY104" fmla="*/ 54292 h 760571"/>
+              <a:gd name="connsiteX105" fmla="*/ 4942047 w 5786914"/>
+              <a:gd name="connsiteY105" fmla="*/ 54292 h 760571"/>
+              <a:gd name="connsiteX106" fmla="*/ 5022057 w 5786914"/>
+              <a:gd name="connsiteY106" fmla="*/ 54292 h 760571"/>
+              <a:gd name="connsiteX107" fmla="*/ 5022057 w 5786914"/>
+              <a:gd name="connsiteY107" fmla="*/ 671512 h 760571"/>
+              <a:gd name="connsiteX108" fmla="*/ 5204937 w 5786914"/>
+              <a:gd name="connsiteY108" fmla="*/ 671512 h 760571"/>
+              <a:gd name="connsiteX109" fmla="*/ 5204937 w 5786914"/>
+              <a:gd name="connsiteY109" fmla="*/ 749617 h 760571"/>
+              <a:gd name="connsiteX110" fmla="*/ 5022057 w 5786914"/>
+              <a:gd name="connsiteY110" fmla="*/ 749617 h 760571"/>
+              <a:gd name="connsiteX111" fmla="*/ 4929664 w 5786914"/>
+              <a:gd name="connsiteY111" fmla="*/ 749617 h 760571"/>
+              <a:gd name="connsiteX112" fmla="*/ 4745356 w 5786914"/>
+              <a:gd name="connsiteY112" fmla="*/ 749617 h 760571"/>
+              <a:gd name="connsiteX113" fmla="*/ 4745356 w 5786914"/>
+              <a:gd name="connsiteY113" fmla="*/ 671512 h 760571"/>
+              <a:gd name="connsiteX114" fmla="*/ 4929664 w 5786914"/>
+              <a:gd name="connsiteY114" fmla="*/ 671512 h 760571"/>
+              <a:gd name="connsiteX115" fmla="*/ 4929664 w 5786914"/>
+              <a:gd name="connsiteY115" fmla="*/ 141954 h 760571"/>
+              <a:gd name="connsiteX116" fmla="*/ 4763929 w 5786914"/>
+              <a:gd name="connsiteY116" fmla="*/ 195738 h 760571"/>
+              <a:gd name="connsiteX117" fmla="*/ 4763929 w 5786914"/>
+              <a:gd name="connsiteY117" fmla="*/ 113347 h 760571"/>
+              <a:gd name="connsiteX118" fmla="*/ 4942047 w 5786914"/>
+              <a:gd name="connsiteY118" fmla="*/ 54292 h 760571"/>
+              <a:gd name="connsiteX119" fmla="*/ 279083 w 5786914"/>
+              <a:gd name="connsiteY119" fmla="*/ 28575 h 760571"/>
+              <a:gd name="connsiteX120" fmla="*/ 491491 w 5786914"/>
+              <a:gd name="connsiteY120" fmla="*/ 28575 h 760571"/>
+              <a:gd name="connsiteX121" fmla="*/ 502444 w 5786914"/>
+              <a:gd name="connsiteY121" fmla="*/ 104298 h 760571"/>
+              <a:gd name="connsiteX122" fmla="*/ 323850 w 5786914"/>
+              <a:gd name="connsiteY122" fmla="*/ 104298 h 760571"/>
+              <a:gd name="connsiteX123" fmla="*/ 248127 w 5786914"/>
+              <a:gd name="connsiteY123" fmla="*/ 195262 h 760571"/>
+              <a:gd name="connsiteX124" fmla="*/ 248127 w 5786914"/>
+              <a:gd name="connsiteY124" fmla="*/ 306705 h 760571"/>
+              <a:gd name="connsiteX125" fmla="*/ 487680 w 5786914"/>
+              <a:gd name="connsiteY125" fmla="*/ 306705 h 760571"/>
+              <a:gd name="connsiteX126" fmla="*/ 487680 w 5786914"/>
+              <a:gd name="connsiteY126" fmla="*/ 379571 h 760571"/>
+              <a:gd name="connsiteX127" fmla="*/ 248127 w 5786914"/>
+              <a:gd name="connsiteY127" fmla="*/ 379571 h 760571"/>
+              <a:gd name="connsiteX128" fmla="*/ 248127 w 5786914"/>
+              <a:gd name="connsiteY128" fmla="*/ 749617 h 760571"/>
+              <a:gd name="connsiteX129" fmla="*/ 159544 w 5786914"/>
+              <a:gd name="connsiteY129" fmla="*/ 749617 h 760571"/>
+              <a:gd name="connsiteX130" fmla="*/ 159544 w 5786914"/>
+              <a:gd name="connsiteY130" fmla="*/ 379571 h 760571"/>
+              <a:gd name="connsiteX131" fmla="*/ 0 w 5786914"/>
+              <a:gd name="connsiteY131" fmla="*/ 379571 h 760571"/>
+              <a:gd name="connsiteX132" fmla="*/ 0 w 5786914"/>
+              <a:gd name="connsiteY132" fmla="*/ 306705 h 760571"/>
+              <a:gd name="connsiteX133" fmla="*/ 159544 w 5786914"/>
+              <a:gd name="connsiteY133" fmla="*/ 306705 h 760571"/>
+              <a:gd name="connsiteX134" fmla="*/ 159544 w 5786914"/>
+              <a:gd name="connsiteY134" fmla="*/ 170973 h 760571"/>
+              <a:gd name="connsiteX135" fmla="*/ 279083 w 5786914"/>
+              <a:gd name="connsiteY135" fmla="*/ 28575 h 760571"/>
+              <a:gd name="connsiteX136" fmla="*/ 592456 w 5786914"/>
+              <a:gd name="connsiteY136" fmla="*/ 20955 h 760571"/>
+              <a:gd name="connsiteX137" fmla="*/ 790575 w 5786914"/>
+              <a:gd name="connsiteY137" fmla="*/ 20955 h 760571"/>
+              <a:gd name="connsiteX138" fmla="*/ 839153 w 5786914"/>
+              <a:gd name="connsiteY138" fmla="*/ 75723 h 760571"/>
+              <a:gd name="connsiteX139" fmla="*/ 839153 w 5786914"/>
+              <a:gd name="connsiteY139" fmla="*/ 580072 h 760571"/>
+              <a:gd name="connsiteX140" fmla="*/ 914877 w 5786914"/>
+              <a:gd name="connsiteY140" fmla="*/ 671036 h 760571"/>
+              <a:gd name="connsiteX141" fmla="*/ 1067753 w 5786914"/>
+              <a:gd name="connsiteY141" fmla="*/ 671036 h 760571"/>
+              <a:gd name="connsiteX142" fmla="*/ 1056799 w 5786914"/>
+              <a:gd name="connsiteY142" fmla="*/ 749617 h 760571"/>
+              <a:gd name="connsiteX143" fmla="*/ 870109 w 5786914"/>
+              <a:gd name="connsiteY143" fmla="*/ 749617 h 760571"/>
+              <a:gd name="connsiteX144" fmla="*/ 750571 w 5786914"/>
+              <a:gd name="connsiteY144" fmla="*/ 607695 h 760571"/>
+              <a:gd name="connsiteX145" fmla="*/ 750571 w 5786914"/>
+              <a:gd name="connsiteY145" fmla="*/ 100012 h 760571"/>
+              <a:gd name="connsiteX146" fmla="*/ 581502 w 5786914"/>
+              <a:gd name="connsiteY146" fmla="*/ 100012 h 760571"/>
+              <a:gd name="connsiteX147" fmla="*/ 592456 w 5786914"/>
+              <a:gd name="connsiteY147" fmla="*/ 20955 h 760571"/>
+              <a:gd name="connsiteX148" fmla="*/ 3217069 w 5786914"/>
+              <a:gd name="connsiteY148" fmla="*/ 0 h 760571"/>
+              <a:gd name="connsiteX149" fmla="*/ 3295174 w 5786914"/>
+              <a:gd name="connsiteY149" fmla="*/ 74295 h 760571"/>
+              <a:gd name="connsiteX150" fmla="*/ 3217069 w 5786914"/>
+              <a:gd name="connsiteY150" fmla="*/ 149066 h 760571"/>
+              <a:gd name="connsiteX151" fmla="*/ 3138488 w 5786914"/>
+              <a:gd name="connsiteY151" fmla="*/ 74295 h 760571"/>
+              <a:gd name="connsiteX152" fmla="*/ 3217069 w 5786914"/>
+              <a:gd name="connsiteY152" fmla="*/ 0 h 760571"/>
+            </a:gdLst>
+            <a:ahLst/>
+            <a:cxnLst>
+              <a:cxn ang="0">
+                <a:pos x="connsiteX0" y="connsiteY0"/>
+              </a:cxn>
+              <a:cxn ang="0">
+                <a:pos x="connsiteX1" y="connsiteY1"/>
+              </a:cxn>
+              <a:cxn ang="0">
+                <a:pos x="connsiteX2" y="connsiteY2"/>
+              </a:cxn>
+              <a:cxn ang="0">
+                <a:pos x="connsiteX3" y="connsiteY3"/>
+              </a:cxn>
+              <a:cxn ang="0">
+                <a:pos x="connsiteX4" y="connsiteY4"/>
+              </a:cxn>
+              <a:cxn ang="0">
+                <a:pos x="connsiteX5" y="connsiteY5"/>
+              </a:cxn>
+              <a:cxn ang="0">
+                <a:pos x="connsiteX6" y="connsiteY6"/>
+              </a:cxn>
+              <a:cxn ang="0">
+                <a:pos x="connsiteX7" y="connsiteY7"/>
+              </a:cxn>
+              <a:cxn ang="0">
+                <a:pos x="connsiteX8" y="connsiteY8"/>
+              </a:cxn>
+              <a:cxn ang="0">
+                <a:pos x="connsiteX9" y="connsiteY9"/>
+              </a:cxn>
+              <a:cxn ang="0">
+                <a:pos x="connsiteX10" y="connsiteY10"/>
+              </a:cxn>
+              <a:cxn ang="0">
+                <a:pos x="connsiteX11" y="connsiteY11"/>
+              </a:cxn>
+              <a:cxn ang="0">
+                <a:pos x="connsiteX12" y="connsiteY12"/>
+              </a:cxn>
+              <a:cxn ang="0">
+                <a:pos x="connsiteX13" y="connsiteY13"/>
+              </a:cxn>
+              <a:cxn ang="0">
+                <a:pos x="connsiteX14" y="connsiteY14"/>
+              </a:cxn>
+              <a:cxn ang="0">
+                <a:pos x="connsiteX15" y="connsiteY15"/>
+              </a:cxn>
+              <a:cxn ang="0">
+                <a:pos x="connsiteX16" y="connsiteY16"/>
+              </a:cxn>
+              <a:cxn ang="0">
+                <a:pos x="connsiteX17" y="connsiteY17"/>
+              </a:cxn>
+              <a:cxn ang="0">
+                <a:pos x="connsiteX18" y="connsiteY18"/>
+              </a:cxn>
+              <a:cxn ang="0">
+                <a:pos x="connsiteX19" y="connsiteY19"/>
+              </a:cxn>
+              <a:cxn ang="0">
+                <a:pos x="connsiteX20" y="connsiteY20"/>
+              </a:cxn>
+              <a:cxn ang="0">
+                <a:pos x="connsiteX21" y="connsiteY21"/>
+              </a:cxn>
+              <a:cxn ang="0">
+                <a:pos x="connsiteX22" y="connsiteY22"/>
+              </a:cxn>
+              <a:cxn ang="0">
+                <a:pos x="connsiteX23" y="connsiteY23"/>
+              </a:cxn>
+              <a:cxn ang="0">
+                <a:pos x="connsiteX24" y="connsiteY24"/>
+              </a:cxn>
+              <a:cxn ang="0">
+                <a:pos x="connsiteX25" y="connsiteY25"/>
+              </a:cxn>
+              <a:cxn ang="0">
+                <a:pos x="connsiteX26" y="connsiteY26"/>
+              </a:cxn>
+              <a:cxn ang="0">
+                <a:pos x="connsiteX27" y="connsiteY27"/>
+              </a:cxn>
+              <a:cxn ang="0">
+                <a:pos x="connsiteX28" y="connsiteY28"/>
+              </a:cxn>
+              <a:cxn ang="0">
+                <a:pos x="connsiteX29" y="connsiteY29"/>
+              </a:cxn>
+              <a:cxn ang="0">
+                <a:pos x="connsiteX30" y="connsiteY30"/>
+              </a:cxn>
+              <a:cxn ang="0">
+                <a:pos x="connsiteX31" y="connsiteY31"/>
+              </a:cxn>
+              <a:cxn ang="0">
+                <a:pos x="connsiteX32" y="connsiteY32"/>
+              </a:cxn>
+              <a:cxn ang="0">
+                <a:pos x="connsiteX33" y="connsiteY33"/>
+              </a:cxn>
+              <a:cxn ang="0">
+                <a:pos x="connsiteX34" y="connsiteY34"/>
+              </a:cxn>
+              <a:cxn ang="0">
+                <a:pos x="connsiteX35" y="connsiteY35"/>
+              </a:cxn>
+              <a:cxn ang="0">
+                <a:pos x="connsiteX36" y="connsiteY36"/>
+              </a:cxn>
+              <a:cxn ang="0">
+                <a:pos x="connsiteX37" y="connsiteY37"/>
+              </a:cxn>
+              <a:cxn ang="0">
+                <a:pos x="connsiteX38" y="connsiteY38"/>
+              </a:cxn>
+              <a:cxn ang="0">
+                <a:pos x="connsiteX39" y="connsiteY39"/>
+              </a:cxn>
+              <a:cxn ang="0">
+                <a:pos x="connsiteX40" y="connsiteY40"/>
+              </a:cxn>
+              <a:cxn ang="0">
+                <a:pos x="connsiteX41" y="connsiteY41"/>
+              </a:cxn>
+              <a:cxn ang="0">
+                <a:pos x="connsiteX42" y="connsiteY42"/>
+              </a:cxn>
+              <a:cxn ang="0">
+                <a:pos x="connsiteX43" y="connsiteY43"/>
+              </a:cxn>
+              <a:cxn ang="0">
+                <a:pos x="connsiteX44" y="connsiteY44"/>
+              </a:cxn>
+              <a:cxn ang="0">
+                <a:pos x="connsiteX45" y="connsiteY45"/>
+              </a:cxn>
+              <a:cxn ang="0">
+                <a:pos x="connsiteX46" y="connsiteY46"/>
+              </a:cxn>
+              <a:cxn ang="0">
+                <a:pos x="connsiteX47" y="connsiteY47"/>
+              </a:cxn>
+              <a:cxn ang="0">
+                <a:pos x="connsiteX48" y="connsiteY48"/>
+              </a:cxn>
+              <a:cxn ang="0">
+                <a:pos x="connsiteX49" y="connsiteY49"/>
+              </a:cxn>
+              <a:cxn ang="0">
+                <a:pos x="connsiteX50" y="connsiteY50"/>
+              </a:cxn>
+              <a:cxn ang="0">
+                <a:pos x="connsiteX51" y="connsiteY51"/>
+              </a:cxn>
+              <a:cxn ang="0">
+                <a:pos x="connsiteX52" y="connsiteY52"/>
+              </a:cxn>
+              <a:cxn ang="0">
+                <a:pos x="connsiteX53" y="connsiteY53"/>
+              </a:cxn>
+              <a:cxn ang="0">
+                <a:pos x="connsiteX54" y="connsiteY54"/>
+              </a:cxn>
+              <a:cxn ang="0">
+                <a:pos x="connsiteX55" y="connsiteY55"/>
+              </a:cxn>
+              <a:cxn ang="0">
+                <a:pos x="connsiteX56" y="connsiteY56"/>
+              </a:cxn>
+              <a:cxn ang="0">
+                <a:pos x="connsiteX57" y="connsiteY57"/>
+              </a:cxn>
+              <a:cxn ang="0">
+                <a:pos x="connsiteX58" y="connsiteY58"/>
+              </a:cxn>
+              <a:cxn ang="0">
+                <a:pos x="connsiteX59" y="connsiteY59"/>
+              </a:cxn>
+              <a:cxn ang="0">
+                <a:pos x="connsiteX60" y="connsiteY60"/>
+              </a:cxn>
+              <a:cxn ang="0">
+                <a:pos x="connsiteX61" y="connsiteY61"/>
+              </a:cxn>
+              <a:cxn ang="0">
+                <a:pos x="connsiteX62" y="connsiteY62"/>
+              </a:cxn>
+              <a:cxn ang="0">
+                <a:pos x="connsiteX63" y="connsiteY63"/>
+              </a:cxn>
+              <a:cxn ang="0">
+                <a:pos x="connsiteX64" y="connsiteY64"/>
+              </a:cxn>
+              <a:cxn ang="0">
+                <a:pos x="connsiteX65" y="connsiteY65"/>
+              </a:cxn>
+              <a:cxn ang="0">
+                <a:pos x="connsiteX66" y="connsiteY66"/>
+              </a:cxn>
+              <a:cxn ang="0">
+                <a:pos x="connsiteX67" y="connsiteY67"/>
+              </a:cxn>
+              <a:cxn ang="0">
+                <a:pos x="connsiteX68" y="connsiteY68"/>
+              </a:cxn>
+              <a:cxn ang="0">
+                <a:pos x="connsiteX69" y="connsiteY69"/>
+              </a:cxn>
+              <a:cxn ang="0">
+                <a:pos x="connsiteX70" y="connsiteY70"/>
+              </a:cxn>
+              <a:cxn ang="0">
+                <a:pos x="connsiteX71" y="connsiteY71"/>
+              </a:cxn>
+              <a:cxn ang="0">
+                <a:pos x="connsiteX72" y="connsiteY72"/>
+              </a:cxn>
+              <a:cxn ang="0">
+                <a:pos x="connsiteX73" y="connsiteY73"/>
+              </a:cxn>
+              <a:cxn ang="0">
+                <a:pos x="connsiteX74" y="connsiteY74"/>
+              </a:cxn>
+              <a:cxn ang="0">
+                <a:pos x="connsiteX75" y="connsiteY75"/>
+              </a:cxn>
+              <a:cxn ang="0">
+                <a:pos x="connsiteX76" y="connsiteY76"/>
+              </a:cxn>
+              <a:cxn ang="0">
+                <a:pos x="connsiteX77" y="connsiteY77"/>
+              </a:cxn>
+              <a:cxn ang="0">
+                <a:pos x="connsiteX78" y="connsiteY78"/>
+              </a:cxn>
+              <a:cxn ang="0">
+                <a:pos x="connsiteX79" y="connsiteY79"/>
+              </a:cxn>
+              <a:cxn ang="0">
+                <a:pos x="connsiteX80" y="connsiteY80"/>
+              </a:cxn>
+              <a:cxn ang="0">
+                <a:pos x="connsiteX81" y="connsiteY81"/>
+              </a:cxn>
+              <a:cxn ang="0">
+                <a:pos x="connsiteX82" y="connsiteY82"/>
+              </a:cxn>
+              <a:cxn ang="0">
+                <a:pos x="connsiteX83" y="connsiteY83"/>
+              </a:cxn>
+              <a:cxn ang="0">
+                <a:pos x="connsiteX84" y="connsiteY84"/>
+              </a:cxn>
+              <a:cxn ang="0">
+                <a:pos x="connsiteX85" y="connsiteY85"/>
+              </a:cxn>
+              <a:cxn ang="0">
+                <a:pos x="connsiteX86" y="connsiteY86"/>
+              </a:cxn>
+              <a:cxn ang="0">
+                <a:pos x="connsiteX87" y="connsiteY87"/>
+              </a:cxn>
+              <a:cxn ang="0">
+                <a:pos x="connsiteX88" y="connsiteY88"/>
+              </a:cxn>
+              <a:cxn ang="0">
+                <a:pos x="connsiteX89" y="connsiteY89"/>
+              </a:cxn>
+              <a:cxn ang="0">
+                <a:pos x="connsiteX90" y="connsiteY90"/>
+              </a:cxn>
+              <a:cxn ang="0">
+                <a:pos x="connsiteX91" y="connsiteY91"/>
+              </a:cxn>
+              <a:cxn ang="0">
+                <a:pos x="connsiteX92" y="connsiteY92"/>
+              </a:cxn>
+              <a:cxn ang="0">
+                <a:pos x="connsiteX93" y="connsiteY93"/>
+              </a:cxn>
+              <a:cxn ang="0">
+                <a:pos x="connsiteX94" y="connsiteY94"/>
+              </a:cxn>
+              <a:cxn ang="0">
+                <a:pos x="connsiteX95" y="connsiteY95"/>
+              </a:cxn>
+              <a:cxn ang="0">
+                <a:pos x="connsiteX96" y="connsiteY96"/>
+              </a:cxn>
+              <a:cxn ang="0">
+                <a:pos x="connsiteX97" y="connsiteY97"/>
+              </a:cxn>
+              <a:cxn ang="0">
+                <a:pos x="connsiteX98" y="connsiteY98"/>
+              </a:cxn>
+              <a:cxn ang="0">
+                <a:pos x="connsiteX99" y="connsiteY99"/>
+              </a:cxn>
+              <a:cxn ang="0">
+                <a:pos x="connsiteX100" y="connsiteY100"/>
+              </a:cxn>
+              <a:cxn ang="0">
+                <a:pos x="connsiteX101" y="connsiteY101"/>
+              </a:cxn>
+              <a:cxn ang="0">
+                <a:pos x="connsiteX102" y="connsiteY102"/>
+              </a:cxn>
+              <a:cxn ang="0">
+                <a:pos x="connsiteX103" y="connsiteY103"/>
+              </a:cxn>
+              <a:cxn ang="0">
+                <a:pos x="connsiteX104" y="connsiteY104"/>
+              </a:cxn>
+              <a:cxn ang="0">
+                <a:pos x="connsiteX105" y="connsiteY105"/>
+              </a:cxn>
+              <a:cxn ang="0">
+                <a:pos x="connsiteX106" y="connsiteY106"/>
+              </a:cxn>
+              <a:cxn ang="0">
+                <a:pos x="connsiteX107" y="connsiteY107"/>
+              </a:cxn>
+              <a:cxn ang="0">
+                <a:pos x="connsiteX108" y="connsiteY108"/>
+              </a:cxn>
+              <a:cxn ang="0">
+                <a:pos x="connsiteX109" y="connsiteY109"/>
+              </a:cxn>
+              <a:cxn ang="0">
+                <a:pos x="connsiteX110" y="connsiteY110"/>
+              </a:cxn>
+              <a:cxn ang="0">
+                <a:pos x="connsiteX111" y="connsiteY111"/>
+              </a:cxn>
+              <a:cxn ang="0">
+                <a:pos x="connsiteX112" y="connsiteY112"/>
+              </a:cxn>
+              <a:cxn ang="0">
+                <a:pos x="connsiteX113" y="connsiteY113"/>
+              </a:cxn>
+              <a:cxn ang="0">
+                <a:pos x="connsiteX114" y="connsiteY114"/>
+              </a:cxn>
+              <a:cxn ang="0">
+                <a:pos x="connsiteX115" y="connsiteY115"/>
+              </a:cxn>
+              <a:cxn ang="0">
+                <a:pos x="connsiteX116" y="connsiteY116"/>
+              </a:cxn>
+              <a:cxn ang="0">
+                <a:pos x="connsiteX117" y="connsiteY117"/>
+              </a:cxn>
+              <a:cxn ang="0">
+                <a:pos x="connsiteX118" y="connsiteY118"/>
+              </a:cxn>
+              <a:cxn ang="0">
+                <a:pos x="connsiteX119" y="connsiteY119"/>
+              </a:cxn>
+              <a:cxn ang="0">
+                <a:pos x="connsiteX120" y="connsiteY120"/>
+              </a:cxn>
+              <a:cxn ang="0">
+                <a:pos x="connsiteX121" y="connsiteY121"/>
+              </a:cxn>
+              <a:cxn ang="0">
+                <a:pos x="connsiteX122" y="connsiteY122"/>
+              </a:cxn>
+              <a:cxn ang="0">
+                <a:pos x="connsiteX123" y="connsiteY123"/>
+              </a:cxn>
+              <a:cxn ang="0">
+                <a:pos x="connsiteX124" y="connsiteY124"/>
+              </a:cxn>
+              <a:cxn ang="0">
+                <a:pos x="connsiteX125" y="connsiteY125"/>
+              </a:cxn>
+              <a:cxn ang="0">
+                <a:pos x="connsiteX126" y="connsiteY126"/>
+              </a:cxn>
+              <a:cxn ang="0">
+                <a:pos x="connsiteX127" y="connsiteY127"/>
+              </a:cxn>
+              <a:cxn ang="0">
+                <a:pos x="connsiteX128" y="connsiteY128"/>
+              </a:cxn>
+              <a:cxn ang="0">
+                <a:pos x="connsiteX129" y="connsiteY129"/>
+              </a:cxn>
+              <a:cxn ang="0">
+                <a:pos x="connsiteX130" y="connsiteY130"/>
+              </a:cxn>
+              <a:cxn ang="0">
+                <a:pos x="connsiteX131" y="connsiteY131"/>
+              </a:cxn>
+              <a:cxn ang="0">
+                <a:pos x="connsiteX132" y="connsiteY132"/>
+              </a:cxn>
+              <a:cxn ang="0">
+                <a:pos x="connsiteX133" y="connsiteY133"/>
+              </a:cxn>
+              <a:cxn ang="0">
+                <a:pos x="connsiteX134" y="connsiteY134"/>
+              </a:cxn>
+              <a:cxn ang="0">
+                <a:pos x="connsiteX135" y="connsiteY135"/>
+              </a:cxn>
+              <a:cxn ang="0">
+                <a:pos x="connsiteX136" y="connsiteY136"/>
+              </a:cxn>
+              <a:cxn ang="0">
+                <a:pos x="connsiteX137" y="connsiteY137"/>
+              </a:cxn>
+              <a:cxn ang="0">
+                <a:pos x="connsiteX138" y="connsiteY138"/>
+              </a:cxn>
+              <a:cxn ang="0">
+                <a:pos x="connsiteX139" y="connsiteY139"/>
+              </a:cxn>
+              <a:cxn ang="0">
+                <a:pos x="connsiteX140" y="connsiteY140"/>
+              </a:cxn>
+              <a:cxn ang="0">
+                <a:pos x="connsiteX141" y="connsiteY141"/>
+              </a:cxn>
+              <a:cxn ang="0">
+                <a:pos x="connsiteX142" y="connsiteY142"/>
+              </a:cxn>
+              <a:cxn ang="0">
+                <a:pos x="connsiteX143" y="connsiteY143"/>
+              </a:cxn>
+              <a:cxn ang="0">
+                <a:pos x="connsiteX144" y="connsiteY144"/>
+              </a:cxn>
+              <a:cxn ang="0">
+                <a:pos x="connsiteX145" y="connsiteY145"/>
+              </a:cxn>
+              <a:cxn ang="0">
+                <a:pos x="connsiteX146" y="connsiteY146"/>
+              </a:cxn>
+              <a:cxn ang="0">
+                <a:pos x="connsiteX147" y="connsiteY147"/>
+              </a:cxn>
+              <a:cxn ang="0">
+                <a:pos x="connsiteX148" y="connsiteY148"/>
+              </a:cxn>
+              <a:cxn ang="0">
+                <a:pos x="connsiteX149" y="connsiteY149"/>
+              </a:cxn>
+              <a:cxn ang="0">
+                <a:pos x="connsiteX150" y="connsiteY150"/>
+              </a:cxn>
+              <a:cxn ang="0">
+                <a:pos x="connsiteX151" y="connsiteY151"/>
+              </a:cxn>
+              <a:cxn ang="0">
+                <a:pos x="connsiteX152" y="connsiteY152"/>
+              </a:cxn>
+            </a:cxnLst>
+            <a:rect l="l" t="t" r="r" b="b"/>
+            <a:pathLst>
+              <a:path w="5786914" h="760571">
+                <a:moveTo>
+                  <a:pt x="1978343" y="336232"/>
+                </a:moveTo>
+                <a:lnTo>
+                  <a:pt x="1873568" y="446722"/>
+                </a:lnTo>
+                <a:lnTo>
+                  <a:pt x="1873568" y="563403"/>
+                </a:lnTo>
+                <a:lnTo>
+                  <a:pt x="1978343" y="673893"/>
+                </a:lnTo>
+                <a:lnTo>
+                  <a:pt x="2055019" y="673893"/>
+                </a:lnTo>
+                <a:lnTo>
+                  <a:pt x="2160270" y="563403"/>
+                </a:lnTo>
+                <a:lnTo>
+                  <a:pt x="2160270" y="446722"/>
+                </a:lnTo>
+                <a:lnTo>
+                  <a:pt x="2055019" y="336232"/>
+                </a:lnTo>
+                <a:lnTo>
+                  <a:pt x="1978343" y="336232"/>
+                </a:lnTo>
+                <a:close/>
+                <a:moveTo>
+                  <a:pt x="4335781" y="328136"/>
+                </a:moveTo>
+                <a:lnTo>
+                  <a:pt x="4243864" y="446722"/>
+                </a:lnTo>
+                <a:lnTo>
+                  <a:pt x="4243864" y="458152"/>
+                </a:lnTo>
+                <a:lnTo>
+                  <a:pt x="4483894" y="458152"/>
+                </a:lnTo>
+                <a:lnTo>
+                  <a:pt x="4521994" y="423386"/>
+                </a:lnTo>
+                <a:lnTo>
+                  <a:pt x="4521994" y="362902"/>
+                </a:lnTo>
+                <a:lnTo>
+                  <a:pt x="4482942" y="328136"/>
+                </a:lnTo>
+                <a:lnTo>
+                  <a:pt x="4335781" y="328136"/>
+                </a:lnTo>
+                <a:close/>
+                <a:moveTo>
+                  <a:pt x="4297204" y="260508"/>
+                </a:moveTo>
+                <a:lnTo>
+                  <a:pt x="4516279" y="260508"/>
+                </a:lnTo>
+                <a:lnTo>
+                  <a:pt x="4597718" y="342900"/>
+                </a:lnTo>
+                <a:lnTo>
+                  <a:pt x="4597718" y="461962"/>
+                </a:lnTo>
+                <a:lnTo>
+                  <a:pt x="4537234" y="519112"/>
+                </a:lnTo>
+                <a:lnTo>
+                  <a:pt x="4243864" y="519112"/>
+                </a:lnTo>
+                <a:lnTo>
+                  <a:pt x="4243864" y="566737"/>
+                </a:lnTo>
+                <a:lnTo>
+                  <a:pt x="4353402" y="678656"/>
+                </a:lnTo>
+                <a:lnTo>
+                  <a:pt x="4576287" y="678656"/>
+                </a:lnTo>
+                <a:lnTo>
+                  <a:pt x="4564857" y="749617"/>
+                </a:lnTo>
+                <a:lnTo>
+                  <a:pt x="4313397" y="749617"/>
+                </a:lnTo>
+                <a:lnTo>
+                  <a:pt x="4158616" y="586263"/>
+                </a:lnTo>
+                <a:lnTo>
+                  <a:pt x="4158616" y="423862"/>
+                </a:lnTo>
+                <a:lnTo>
+                  <a:pt x="4297204" y="260508"/>
+                </a:lnTo>
+                <a:close/>
+                <a:moveTo>
+                  <a:pt x="2996089" y="260508"/>
+                </a:moveTo>
+                <a:lnTo>
+                  <a:pt x="3235167" y="260508"/>
+                </a:lnTo>
+                <a:lnTo>
+                  <a:pt x="3283744" y="315277"/>
+                </a:lnTo>
+                <a:lnTo>
+                  <a:pt x="3283744" y="749617"/>
+                </a:lnTo>
+                <a:lnTo>
+                  <a:pt x="3192780" y="749617"/>
+                </a:lnTo>
+                <a:lnTo>
+                  <a:pt x="3192780" y="339090"/>
+                </a:lnTo>
+                <a:lnTo>
+                  <a:pt x="2984659" y="339090"/>
+                </a:lnTo>
+                <a:lnTo>
+                  <a:pt x="2996089" y="260508"/>
+                </a:lnTo>
+                <a:close/>
+                <a:moveTo>
+                  <a:pt x="1943101" y="260508"/>
+                </a:moveTo>
+                <a:lnTo>
+                  <a:pt x="2096929" y="260508"/>
+                </a:lnTo>
+                <a:lnTo>
+                  <a:pt x="2245519" y="423862"/>
+                </a:lnTo>
+                <a:lnTo>
+                  <a:pt x="2245519" y="586263"/>
+                </a:lnTo>
+                <a:lnTo>
+                  <a:pt x="2090262" y="749617"/>
+                </a:lnTo>
+                <a:lnTo>
+                  <a:pt x="1943101" y="749617"/>
+                </a:lnTo>
+                <a:lnTo>
+                  <a:pt x="1788319" y="586263"/>
+                </a:lnTo>
+                <a:lnTo>
+                  <a:pt x="1788319" y="423862"/>
+                </a:lnTo>
+                <a:lnTo>
+                  <a:pt x="1943101" y="260508"/>
+                </a:lnTo>
+                <a:close/>
+                <a:moveTo>
+                  <a:pt x="1219201" y="260508"/>
+                </a:moveTo>
+                <a:lnTo>
+                  <a:pt x="1310640" y="260508"/>
+                </a:lnTo>
+                <a:lnTo>
+                  <a:pt x="1310640" y="611981"/>
+                </a:lnTo>
+                <a:lnTo>
+                  <a:pt x="1374934" y="679132"/>
+                </a:lnTo>
+                <a:lnTo>
+                  <a:pt x="1542574" y="640171"/>
+                </a:lnTo>
+                <a:lnTo>
+                  <a:pt x="1542574" y="260508"/>
+                </a:lnTo>
+                <a:lnTo>
+                  <a:pt x="1633538" y="260508"/>
+                </a:lnTo>
+                <a:lnTo>
+                  <a:pt x="1633538" y="749617"/>
+                </a:lnTo>
+                <a:lnTo>
+                  <a:pt x="1567339" y="749617"/>
+                </a:lnTo>
+                <a:lnTo>
+                  <a:pt x="1547064" y="697761"/>
+                </a:lnTo>
+                <a:lnTo>
+                  <a:pt x="1343025" y="760571"/>
+                </a:lnTo>
+                <a:lnTo>
+                  <a:pt x="1219201" y="634365"/>
+                </a:lnTo>
+                <a:lnTo>
+                  <a:pt x="1219201" y="260508"/>
+                </a:lnTo>
+                <a:close/>
+                <a:moveTo>
+                  <a:pt x="2696052" y="249078"/>
+                </a:moveTo>
+                <a:lnTo>
+                  <a:pt x="2817019" y="369570"/>
+                </a:lnTo>
+                <a:cubicBezTo>
+                  <a:pt x="2817495" y="396716"/>
+                  <a:pt x="2817972" y="423862"/>
+                  <a:pt x="2818448" y="451008"/>
+                </a:cubicBezTo>
+                <a:lnTo>
+                  <a:pt x="2726532" y="464820"/>
+                </a:lnTo>
+                <a:lnTo>
+                  <a:pt x="2726532" y="396716"/>
+                </a:lnTo>
+                <a:lnTo>
+                  <a:pt x="2665572" y="329565"/>
+                </a:lnTo>
+                <a:lnTo>
+                  <a:pt x="2491264" y="371413"/>
+                </a:lnTo>
+                <a:lnTo>
+                  <a:pt x="2491264" y="749617"/>
+                </a:lnTo>
+                <a:lnTo>
+                  <a:pt x="2400300" y="749617"/>
+                </a:lnTo>
+                <a:lnTo>
+                  <a:pt x="2400300" y="260508"/>
+                </a:lnTo>
+                <a:lnTo>
+                  <a:pt x="2466499" y="260508"/>
+                </a:lnTo>
+                <a:lnTo>
+                  <a:pt x="2486487" y="319319"/>
+                </a:lnTo>
+                <a:lnTo>
+                  <a:pt x="2696052" y="249078"/>
+                </a:lnTo>
+                <a:close/>
+                <a:moveTo>
+                  <a:pt x="3751898" y="126682"/>
+                </a:moveTo>
+                <a:lnTo>
+                  <a:pt x="3751898" y="306705"/>
+                </a:lnTo>
+                <a:lnTo>
+                  <a:pt x="4001453" y="306705"/>
+                </a:lnTo>
+                <a:lnTo>
+                  <a:pt x="4001453" y="379571"/>
+                </a:lnTo>
+                <a:lnTo>
+                  <a:pt x="3751898" y="379571"/>
+                </a:lnTo>
+                <a:lnTo>
+                  <a:pt x="3751898" y="580072"/>
+                </a:lnTo>
+                <a:lnTo>
+                  <a:pt x="3827622" y="673893"/>
+                </a:lnTo>
+                <a:lnTo>
+                  <a:pt x="4001453" y="673893"/>
+                </a:lnTo>
+                <a:lnTo>
+                  <a:pt x="4001453" y="749617"/>
+                </a:lnTo>
+                <a:lnTo>
+                  <a:pt x="3782854" y="749617"/>
+                </a:lnTo>
+                <a:lnTo>
+                  <a:pt x="3663315" y="607695"/>
+                </a:lnTo>
+                <a:lnTo>
+                  <a:pt x="3663315" y="379571"/>
+                </a:lnTo>
+                <a:lnTo>
+                  <a:pt x="3544729" y="379571"/>
+                </a:lnTo>
+                <a:lnTo>
+                  <a:pt x="3544729" y="306705"/>
+                </a:lnTo>
+                <a:lnTo>
+                  <a:pt x="3663315" y="306705"/>
+                </a:lnTo>
+                <a:lnTo>
+                  <a:pt x="3663315" y="142875"/>
+                </a:lnTo>
+                <a:lnTo>
+                  <a:pt x="3751898" y="126682"/>
+                </a:lnTo>
+                <a:close/>
+                <a:moveTo>
+                  <a:pt x="5358766" y="54292"/>
+                </a:moveTo>
+                <a:lnTo>
+                  <a:pt x="5610702" y="54292"/>
+                </a:lnTo>
+                <a:lnTo>
+                  <a:pt x="5754053" y="154305"/>
+                </a:lnTo>
+                <a:lnTo>
+                  <a:pt x="5754053" y="352901"/>
+                </a:lnTo>
+                <a:lnTo>
+                  <a:pt x="5438008" y="671512"/>
+                </a:lnTo>
+                <a:lnTo>
+                  <a:pt x="5786914" y="671512"/>
+                </a:lnTo>
+                <a:lnTo>
+                  <a:pt x="5786914" y="749617"/>
+                </a:lnTo>
+                <a:lnTo>
+                  <a:pt x="5358766" y="749617"/>
+                </a:lnTo>
+                <a:lnTo>
+                  <a:pt x="5333048" y="657225"/>
+                </a:lnTo>
+                <a:lnTo>
+                  <a:pt x="5662613" y="315753"/>
+                </a:lnTo>
+                <a:lnTo>
+                  <a:pt x="5662613" y="200025"/>
+                </a:lnTo>
+                <a:lnTo>
+                  <a:pt x="5570697" y="137160"/>
+                </a:lnTo>
+                <a:lnTo>
+                  <a:pt x="5346383" y="137160"/>
+                </a:lnTo>
+                <a:lnTo>
+                  <a:pt x="5358766" y="54292"/>
+                </a:lnTo>
+                <a:close/>
+                <a:moveTo>
+                  <a:pt x="4942047" y="54292"/>
+                </a:moveTo>
+                <a:lnTo>
+                  <a:pt x="5022057" y="54292"/>
+                </a:lnTo>
+                <a:lnTo>
+                  <a:pt x="5022057" y="671512"/>
+                </a:lnTo>
+                <a:lnTo>
+                  <a:pt x="5204937" y="671512"/>
+                </a:lnTo>
+                <a:lnTo>
+                  <a:pt x="5204937" y="749617"/>
+                </a:lnTo>
+                <a:lnTo>
+                  <a:pt x="5022057" y="749617"/>
+                </a:lnTo>
+                <a:lnTo>
+                  <a:pt x="4929664" y="749617"/>
+                </a:lnTo>
+                <a:lnTo>
+                  <a:pt x="4745356" y="749617"/>
+                </a:lnTo>
+                <a:lnTo>
+                  <a:pt x="4745356" y="671512"/>
+                </a:lnTo>
+                <a:lnTo>
+                  <a:pt x="4929664" y="671512"/>
+                </a:lnTo>
+                <a:lnTo>
+                  <a:pt x="4929664" y="141954"/>
+                </a:lnTo>
+                <a:lnTo>
+                  <a:pt x="4763929" y="195738"/>
+                </a:lnTo>
+                <a:lnTo>
+                  <a:pt x="4763929" y="113347"/>
+                </a:lnTo>
+                <a:lnTo>
+                  <a:pt x="4942047" y="54292"/>
+                </a:lnTo>
+                <a:close/>
+                <a:moveTo>
+                  <a:pt x="279083" y="28575"/>
+                </a:moveTo>
+                <a:lnTo>
+                  <a:pt x="491491" y="28575"/>
+                </a:lnTo>
+                <a:lnTo>
+                  <a:pt x="502444" y="104298"/>
+                </a:lnTo>
+                <a:lnTo>
+                  <a:pt x="323850" y="104298"/>
+                </a:lnTo>
+                <a:lnTo>
+                  <a:pt x="248127" y="195262"/>
+                </a:lnTo>
+                <a:lnTo>
+                  <a:pt x="248127" y="306705"/>
+                </a:lnTo>
+                <a:lnTo>
+                  <a:pt x="487680" y="306705"/>
+                </a:lnTo>
+                <a:lnTo>
+                  <a:pt x="487680" y="379571"/>
+                </a:lnTo>
+                <a:lnTo>
+                  <a:pt x="248127" y="379571"/>
+                </a:lnTo>
+                <a:lnTo>
+                  <a:pt x="248127" y="749617"/>
+                </a:lnTo>
+                <a:lnTo>
+                  <a:pt x="159544" y="749617"/>
+                </a:lnTo>
+                <a:lnTo>
+                  <a:pt x="159544" y="379571"/>
+                </a:lnTo>
+                <a:lnTo>
+                  <a:pt x="0" y="379571"/>
+                </a:lnTo>
+                <a:lnTo>
+                  <a:pt x="0" y="306705"/>
+                </a:lnTo>
+                <a:lnTo>
+                  <a:pt x="159544" y="306705"/>
+                </a:lnTo>
+                <a:lnTo>
+                  <a:pt x="159544" y="170973"/>
+                </a:lnTo>
+                <a:lnTo>
+                  <a:pt x="279083" y="28575"/>
+                </a:lnTo>
+                <a:close/>
+                <a:moveTo>
+                  <a:pt x="592456" y="20955"/>
+                </a:moveTo>
+                <a:lnTo>
+                  <a:pt x="790575" y="20955"/>
+                </a:lnTo>
+                <a:lnTo>
+                  <a:pt x="839153" y="75723"/>
+                </a:lnTo>
+                <a:lnTo>
+                  <a:pt x="839153" y="580072"/>
+                </a:lnTo>
+                <a:lnTo>
+                  <a:pt x="914877" y="671036"/>
+                </a:lnTo>
+                <a:lnTo>
+                  <a:pt x="1067753" y="671036"/>
+                </a:lnTo>
+                <a:lnTo>
+                  <a:pt x="1056799" y="749617"/>
+                </a:lnTo>
+                <a:lnTo>
+                  <a:pt x="870109" y="749617"/>
+                </a:lnTo>
+                <a:lnTo>
+                  <a:pt x="750571" y="607695"/>
+                </a:lnTo>
+                <a:lnTo>
+                  <a:pt x="750571" y="100012"/>
+                </a:lnTo>
+                <a:lnTo>
+                  <a:pt x="581502" y="100012"/>
+                </a:lnTo>
+                <a:lnTo>
+                  <a:pt x="592456" y="20955"/>
+                </a:lnTo>
+                <a:close/>
+                <a:moveTo>
+                  <a:pt x="3217069" y="0"/>
+                </a:moveTo>
+                <a:lnTo>
+                  <a:pt x="3295174" y="74295"/>
+                </a:lnTo>
+                <a:lnTo>
+                  <a:pt x="3217069" y="149066"/>
+                </a:lnTo>
+                <a:lnTo>
+                  <a:pt x="3138488" y="74295"/>
+                </a:lnTo>
+                <a:lnTo>
+                  <a:pt x="3217069" y="0"/>
+                </a:lnTo>
+                <a:close/>
+              </a:path>
+            </a:pathLst>
+          </a:custGeom>
+          <a:solidFill>
+            <a:schemeClr val="tx1"/>
+          </a:solidFill>
+          <a:ln>
+            <a:noFill/>
+          </a:ln>
+          <a:effectLst/>
+        </p:spPr>
+        <p:txBody>
+          <a:bodyPr rot="0" spcFirstLastPara="0" vertOverflow="overflow" horzOverflow="overflow" vert="horz" wrap="square" lIns="91440" tIns="45720" rIns="91440" bIns="45720" numCol="1" spcCol="0" rtlCol="0" fromWordArt="0" anchor="t" anchorCtr="0" forceAA="0" compatLnSpc="1">
+            <a:prstTxWarp prst="textNoShape">
+              <a:avLst/>
+            </a:prstTxWarp>
+            <a:noAutofit/>
+          </a:bodyPr>
+          <a:lstStyle/>
+          <a:p>
+            <a:endParaRPr kumimoji="1" lang="ja-JP" altLang="en-US" sz="7500" dirty="0">
+              <a:latin typeface="Monaspace Krypton Var" panose="02000009000000000000" pitchFamily="50" charset="0"/>
+            </a:endParaRPr>
+          </a:p>
+        </p:txBody>
+      </p:sp>
+      <p:sp>
+        <p:nvSpPr>
+          <p:cNvPr id="12" name="正方形/長方形 11">
+            <a:extLst>
+              <a:ext uri="{FF2B5EF4-FFF2-40B4-BE49-F238E27FC236}">
+                <a16:creationId xmlns:a16="http://schemas.microsoft.com/office/drawing/2014/main" id="{1A238955-373C-F25C-2401-5E1439195797}"/>
+              </a:ext>
+            </a:extLst>
+          </p:cNvPr>
+          <p:cNvSpPr/>
+          <p:nvPr/>
+        </p:nvSpPr>
+        <p:spPr>
+          <a:xfrm>
+            <a:off x="720381" y="3600381"/>
+            <a:ext cx="7560000" cy="1440000"/>
+          </a:xfrm>
+          <a:prstGeom prst="rect">
+            <a:avLst/>
+          </a:prstGeom>
+          <a:noFill/>
+          <a:ln>
+            <a:noFill/>
+          </a:ln>
+        </p:spPr>
+        <p:style>
+          <a:lnRef idx="2">
+            <a:schemeClr val="accent1">
+              <a:shade val="15000"/>
+            </a:schemeClr>
+          </a:lnRef>
+          <a:fillRef idx="1">
+            <a:schemeClr val="accent1"/>
+          </a:fillRef>
+          <a:effectRef idx="0">
+            <a:schemeClr val="accent1"/>
+          </a:effectRef>
+          <a:fontRef idx="minor">
+            <a:schemeClr val="lt1"/>
+          </a:fontRef>
+        </p:style>
+        <p:txBody>
+          <a:bodyPr rtlCol="0" anchor="ctr"/>
+          <a:lstStyle/>
+          <a:p>
+            <a:pPr algn="ctr"/>
+            <a:endParaRPr kumimoji="1" lang="ja-JP" altLang="en-US"/>
+          </a:p>
+        </p:txBody>
+      </p:sp>
+      <p:sp>
+        <p:nvSpPr>
+          <p:cNvPr id="13" name="フリーフォーム: 図形 12">
+            <a:extLst>
+              <a:ext uri="{FF2B5EF4-FFF2-40B4-BE49-F238E27FC236}">
+                <a16:creationId xmlns:a16="http://schemas.microsoft.com/office/drawing/2014/main" id="{A5425B15-087C-76E2-9624-8FF89DB8A958}"/>
+              </a:ext>
+            </a:extLst>
+          </p:cNvPr>
+          <p:cNvSpPr/>
+          <p:nvPr/>
+        </p:nvSpPr>
+        <p:spPr>
+          <a:xfrm>
+            <a:off x="540381" y="3420381"/>
+            <a:ext cx="7920000" cy="1800000"/>
+          </a:xfrm>
+          <a:custGeom>
+            <a:avLst/>
+            <a:gdLst>
+              <a:gd name="connsiteX0" fmla="*/ 180000 w 7920000"/>
+              <a:gd name="connsiteY0" fmla="*/ 180000 h 1800000"/>
+              <a:gd name="connsiteX1" fmla="*/ 180000 w 7920000"/>
+              <a:gd name="connsiteY1" fmla="*/ 1620000 h 1800000"/>
+              <a:gd name="connsiteX2" fmla="*/ 7740000 w 7920000"/>
+              <a:gd name="connsiteY2" fmla="*/ 1620000 h 1800000"/>
+              <a:gd name="connsiteX3" fmla="*/ 7740000 w 7920000"/>
+              <a:gd name="connsiteY3" fmla="*/ 180000 h 1800000"/>
+              <a:gd name="connsiteX4" fmla="*/ 0 w 7920000"/>
+              <a:gd name="connsiteY4" fmla="*/ 0 h 1800000"/>
+              <a:gd name="connsiteX5" fmla="*/ 0 w 7920000"/>
+              <a:gd name="connsiteY5" fmla="*/ 0 h 1800000"/>
+              <a:gd name="connsiteX6" fmla="*/ 180000 w 7920000"/>
+              <a:gd name="connsiteY6" fmla="*/ 0 h 1800000"/>
+              <a:gd name="connsiteX7" fmla="*/ 7740000 w 7920000"/>
+              <a:gd name="connsiteY7" fmla="*/ 0 h 1800000"/>
+              <a:gd name="connsiteX8" fmla="*/ 7920000 w 7920000"/>
+              <a:gd name="connsiteY8" fmla="*/ 0 h 1800000"/>
+              <a:gd name="connsiteX9" fmla="*/ 7920000 w 7920000"/>
+              <a:gd name="connsiteY9" fmla="*/ 180000 h 1800000"/>
+              <a:gd name="connsiteX10" fmla="*/ 7920000 w 7920000"/>
+              <a:gd name="connsiteY10" fmla="*/ 1620000 h 1800000"/>
+              <a:gd name="connsiteX11" fmla="*/ 7920000 w 7920000"/>
+              <a:gd name="connsiteY11" fmla="*/ 1800000 h 1800000"/>
+              <a:gd name="connsiteX12" fmla="*/ 7740000 w 7920000"/>
+              <a:gd name="connsiteY12" fmla="*/ 1800000 h 1800000"/>
+              <a:gd name="connsiteX13" fmla="*/ 180000 w 7920000"/>
+              <a:gd name="connsiteY13" fmla="*/ 1800000 h 1800000"/>
+              <a:gd name="connsiteX14" fmla="*/ 0 w 7920000"/>
+              <a:gd name="connsiteY14" fmla="*/ 1800000 h 1800000"/>
+              <a:gd name="connsiteX15" fmla="*/ 0 w 7920000"/>
+              <a:gd name="connsiteY15" fmla="*/ 1800000 h 1800000"/>
+            </a:gdLst>
+            <a:ahLst/>
+            <a:cxnLst>
+              <a:cxn ang="0">
+                <a:pos x="connsiteX0" y="connsiteY0"/>
+              </a:cxn>
+              <a:cxn ang="0">
+                <a:pos x="connsiteX1" y="connsiteY1"/>
+              </a:cxn>
+              <a:cxn ang="0">
+                <a:pos x="connsiteX2" y="connsiteY2"/>
+              </a:cxn>
+              <a:cxn ang="0">
+                <a:pos x="connsiteX3" y="connsiteY3"/>
+              </a:cxn>
+              <a:cxn ang="0">
+                <a:pos x="connsiteX4" y="connsiteY4"/>
+              </a:cxn>
+              <a:cxn ang="0">
+                <a:pos x="connsiteX5" y="connsiteY5"/>
+              </a:cxn>
+              <a:cxn ang="0">
+                <a:pos x="connsiteX6" y="connsiteY6"/>
+              </a:cxn>
+              <a:cxn ang="0">
+                <a:pos x="connsiteX7" y="connsiteY7"/>
+              </a:cxn>
+              <a:cxn ang="0">
+                <a:pos x="connsiteX8" y="connsiteY8"/>
+              </a:cxn>
+              <a:cxn ang="0">
+                <a:pos x="connsiteX9" y="connsiteY9"/>
+              </a:cxn>
+              <a:cxn ang="0">
+                <a:pos x="connsiteX10" y="connsiteY10"/>
+              </a:cxn>
+              <a:cxn ang="0">
+                <a:pos x="connsiteX11" y="connsiteY11"/>
+              </a:cxn>
+              <a:cxn ang="0">
+                <a:pos x="connsiteX12" y="connsiteY12"/>
+              </a:cxn>
+              <a:cxn ang="0">
+                <a:pos x="connsiteX13" y="connsiteY13"/>
+              </a:cxn>
+              <a:cxn ang="0">
+                <a:pos x="connsiteX14" y="connsiteY14"/>
+              </a:cxn>
+              <a:cxn ang="0">
+                <a:pos x="connsiteX15" y="connsiteY15"/>
+              </a:cxn>
+            </a:cxnLst>
+            <a:rect l="l" t="t" r="r" b="b"/>
+            <a:pathLst>
+              <a:path w="7920000" h="1800000">
+                <a:moveTo>
+                  <a:pt x="180000" y="180000"/>
+                </a:moveTo>
+                <a:lnTo>
+                  <a:pt x="180000" y="1620000"/>
+                </a:lnTo>
+                <a:lnTo>
+                  <a:pt x="7740000" y="1620000"/>
+                </a:lnTo>
+                <a:lnTo>
+                  <a:pt x="7740000" y="180000"/>
+                </a:lnTo>
+                <a:close/>
+                <a:moveTo>
+                  <a:pt x="0" y="0"/>
+                </a:moveTo>
+                <a:lnTo>
+                  <a:pt x="0" y="0"/>
+                </a:lnTo>
+                <a:lnTo>
+                  <a:pt x="180000" y="0"/>
+                </a:lnTo>
+                <a:lnTo>
+                  <a:pt x="7740000" y="0"/>
+                </a:lnTo>
+                <a:lnTo>
+                  <a:pt x="7920000" y="0"/>
+                </a:lnTo>
+                <a:lnTo>
+                  <a:pt x="7920000" y="180000"/>
+                </a:lnTo>
+                <a:lnTo>
+                  <a:pt x="7920000" y="1620000"/>
+                </a:lnTo>
+                <a:lnTo>
+                  <a:pt x="7920000" y="1800000"/>
+                </a:lnTo>
+                <a:lnTo>
+                  <a:pt x="7740000" y="1800000"/>
+                </a:lnTo>
+                <a:lnTo>
+                  <a:pt x="180000" y="1800000"/>
+                </a:lnTo>
+                <a:lnTo>
+                  <a:pt x="0" y="1800000"/>
+                </a:lnTo>
+                <a:lnTo>
+                  <a:pt x="0" y="1800000"/>
+                </a:lnTo>
+                <a:close/>
+              </a:path>
+            </a:pathLst>
+          </a:custGeom>
+          <a:solidFill>
+            <a:schemeClr val="bg1">
+              <a:lumMod val="65000"/>
+            </a:schemeClr>
+          </a:solidFill>
+          <a:ln>
+            <a:noFill/>
+          </a:ln>
+        </p:spPr>
+        <p:style>
+          <a:lnRef idx="2">
+            <a:schemeClr val="accent1">
+              <a:shade val="15000"/>
+            </a:schemeClr>
+          </a:lnRef>
+          <a:fillRef idx="1">
+            <a:schemeClr val="accent1"/>
+          </a:fillRef>
+          <a:effectRef idx="0">
+            <a:schemeClr val="accent1"/>
+          </a:effectRef>
+          <a:fontRef idx="minor">
+            <a:schemeClr val="lt1"/>
+          </a:fontRef>
+        </p:style>
+        <p:txBody>
+          <a:bodyPr wrap="square" rtlCol="0" anchor="ctr">
+            <a:noAutofit/>
+          </a:bodyPr>
+          <a:lstStyle/>
+          <a:p>
+            <a:pPr algn="ctr"/>
+            <a:endParaRPr kumimoji="1" lang="ja-JP" altLang="en-US" sz="2592"/>
+          </a:p>
+        </p:txBody>
+      </p:sp>
+    </p:spTree>
+    <p:extLst>
+      <p:ext uri="{BB962C8B-B14F-4D97-AF65-F5344CB8AC3E}">
+        <p14:creationId xmlns:p14="http://schemas.microsoft.com/office/powerpoint/2010/main" val="522241404"/>
+      </p:ext>
+    </p:extLst>
+  </p:cSld>
+  <p:clrMapOvr>
+    <a:masterClrMapping/>
+  </p:clrMapOvr>
+</p:sld>
+</file>
+
+<file path=ppt/slides/slide3.xml><?xml version="1.0" encoding="utf-8"?>
+<p:sld xmlns:a="http://schemas.openxmlformats.org/drawingml/2006/main" xmlns:r="http://schemas.openxmlformats.org/officeDocument/2006/relationships" xmlns:p="http://schemas.openxmlformats.org/presentationml/2006/main">
+  <p:cSld>
+    <p:spTree>
+      <p:nvGrpSpPr>
         <p:cNvPr id="1" name="">
           <a:extLst>
             <a:ext uri="{FF2B5EF4-FFF2-40B4-BE49-F238E27FC236}">
@@ -1025,7 +3914,7 @@
 </p:sld>
 </file>
 
-<file path=ppt/slides/slide3.xml><?xml version="1.0" encoding="utf-8"?>
+<file path=ppt/slides/slide4.xml><?xml version="1.0" encoding="utf-8"?>
 <p:sld xmlns:a="http://schemas.openxmlformats.org/drawingml/2006/main" xmlns:r="http://schemas.openxmlformats.org/officeDocument/2006/relationships" xmlns:p="http://schemas.openxmlformats.org/presentationml/2006/main">
   <p:cSld>
     <p:spTree>
